--- a/sass.pptx
+++ b/sass.pptx
@@ -1,38 +1,38 @@
 
 <file path=ppt/presentation.xml><?xml version="1.0" encoding="utf-8"?>
-<p:presentation xmlns:a="http://schemas.openxmlformats.org/drawingml/2006/main" xmlns:r="http://schemas.openxmlformats.org/officeDocument/2006/relationships" xmlns:p="http://schemas.openxmlformats.org/presentationml/2006/main">
+<p:presentation xmlns:a="http://schemas.openxmlformats.org/drawingml/2006/main" xmlns:r="http://schemas.openxmlformats.org/officeDocument/2006/relationships" xmlns:p="http://schemas.openxmlformats.org/presentationml/2006/main" saveSubsetFonts="1">
   <p:sldMasterIdLst>
     <p:sldMasterId id="2147483648" r:id="rId1"/>
   </p:sldMasterIdLst>
   <p:notesMasterIdLst>
-    <p:notesMasterId r:id="rId25"/>
+    <p:notesMasterId r:id="rId24"/>
   </p:notesMasterIdLst>
   <p:handoutMasterIdLst>
-    <p:handoutMasterId r:id="rId26"/>
+    <p:handoutMasterId r:id="rId25"/>
   </p:handoutMasterIdLst>
   <p:sldIdLst>
-    <p:sldId id="547" r:id="rId3"/>
-    <p:sldId id="557" r:id="rId4"/>
-    <p:sldId id="550" r:id="rId5"/>
-    <p:sldId id="615" r:id="rId6"/>
-    <p:sldId id="551" r:id="rId7"/>
-    <p:sldId id="563" r:id="rId8"/>
-    <p:sldId id="552" r:id="rId9"/>
-    <p:sldId id="586" r:id="rId10"/>
-    <p:sldId id="676" r:id="rId11"/>
-    <p:sldId id="591" r:id="rId12"/>
-    <p:sldId id="669" r:id="rId13"/>
-    <p:sldId id="670" r:id="rId14"/>
-    <p:sldId id="671" r:id="rId15"/>
-    <p:sldId id="672" r:id="rId16"/>
-    <p:sldId id="673" r:id="rId17"/>
-    <p:sldId id="674" r:id="rId18"/>
-    <p:sldId id="675" r:id="rId19"/>
-    <p:sldId id="553" r:id="rId20"/>
-    <p:sldId id="560" r:id="rId21"/>
-    <p:sldId id="561" r:id="rId22"/>
-    <p:sldId id="683" r:id="rId23"/>
-    <p:sldId id="540" r:id="rId24"/>
+    <p:sldId id="547" r:id="rId2"/>
+    <p:sldId id="557" r:id="rId3"/>
+    <p:sldId id="550" r:id="rId4"/>
+    <p:sldId id="615" r:id="rId5"/>
+    <p:sldId id="551" r:id="rId6"/>
+    <p:sldId id="563" r:id="rId7"/>
+    <p:sldId id="552" r:id="rId8"/>
+    <p:sldId id="586" r:id="rId9"/>
+    <p:sldId id="676" r:id="rId10"/>
+    <p:sldId id="591" r:id="rId11"/>
+    <p:sldId id="669" r:id="rId12"/>
+    <p:sldId id="670" r:id="rId13"/>
+    <p:sldId id="671" r:id="rId14"/>
+    <p:sldId id="672" r:id="rId15"/>
+    <p:sldId id="673" r:id="rId16"/>
+    <p:sldId id="674" r:id="rId17"/>
+    <p:sldId id="675" r:id="rId18"/>
+    <p:sldId id="553" r:id="rId19"/>
+    <p:sldId id="560" r:id="rId20"/>
+    <p:sldId id="561" r:id="rId21"/>
+    <p:sldId id="683" r:id="rId22"/>
+    <p:sldId id="540" r:id="rId23"/>
   </p:sldIdLst>
   <p:sldSz cx="6858000" cy="5143500"/>
   <p:notesSz cx="9144000" cy="6858000"/>
@@ -161,6 +161,36 @@
       </a:defRPr>
     </a:lvl9pPr>
   </p:defaultTextStyle>
+  <p:extLst>
+    <p:ext uri="{EFAFB233-063F-42B5-8137-9DF3F51BA10A}">
+      <p15:sldGuideLst xmlns:p15="http://schemas.microsoft.com/office/powerpoint/2012/main">
+        <p15:guide id="1" orient="horz" pos="1504">
+          <p15:clr>
+            <a:srgbClr val="A4A3A4"/>
+          </p15:clr>
+        </p15:guide>
+        <p15:guide id="2" pos="2140">
+          <p15:clr>
+            <a:srgbClr val="A4A3A4"/>
+          </p15:clr>
+        </p15:guide>
+      </p15:sldGuideLst>
+    </p:ext>
+    <p:ext uri="{2D200454-40CA-4A62-9FC3-DE9A4176ACB9}">
+      <p15:notesGuideLst xmlns:p15="http://schemas.microsoft.com/office/powerpoint/2012/main">
+        <p15:guide id="1" orient="horz" pos="2213">
+          <p15:clr>
+            <a:srgbClr val="A4A3A4"/>
+          </p15:clr>
+        </p15:guide>
+        <p15:guide id="2" pos="2854">
+          <p15:clr>
+            <a:srgbClr val="A4A3A4"/>
+          </p15:clr>
+        </p15:guide>
+      </p15:notesGuideLst>
+    </p:ext>
+  </p:extLst>
 </p:presentation>
 </file>
 
@@ -246,6 +276,7 @@
           <a:p>
             <a:fld id="{3DA88935-C1BC-4264-A6BA-D821F7FD6EC7}" type="datetimeFigureOut">
               <a:rPr lang="zh-CN" altLang="en-US" smtClean="0"/>
+              <a:t>2019/2/28</a:t>
             </a:fld>
             <a:endParaRPr lang="zh-CN" altLang="en-US"/>
           </a:p>
@@ -311,6 +342,7 @@
           <a:p>
             <a:fld id="{C56EACE5-95CE-42EA-BB83-82A03C502679}" type="slidenum">
               <a:rPr lang="zh-CN" altLang="en-US" smtClean="0"/>
+              <a:t>‹#›</a:t>
             </a:fld>
             <a:endParaRPr lang="zh-CN" altLang="en-US"/>
           </a:p>
@@ -422,6 +454,7 @@
             </a:pPr>
             <a:fld id="{21E969AC-D0E6-4B64-AED7-1B8096D727D1}" type="datetimeFigureOut">
               <a:rPr lang="en-AU"/>
+              <a:t>28/2/19</a:t>
             </a:fld>
             <a:endParaRPr lang="en-AU"/>
           </a:p>
@@ -514,7 +547,6 @@
               <a:rPr lang="en-US" altLang="en-US" noProof="0" smtClean="0"/>
               <a:t>Click to edit Master text styles</a:t>
             </a:r>
-            <a:endParaRPr lang="en-US" altLang="en-US" noProof="0" smtClean="0"/>
           </a:p>
           <a:p>
             <a:pPr lvl="1"/>
@@ -522,7 +554,6 @@
               <a:rPr lang="en-US" altLang="en-US" noProof="0" smtClean="0"/>
               <a:t>Second level</a:t>
             </a:r>
-            <a:endParaRPr lang="en-US" altLang="en-US" noProof="0" smtClean="0"/>
           </a:p>
           <a:p>
             <a:pPr lvl="2"/>
@@ -530,7 +561,6 @@
               <a:rPr lang="en-US" altLang="en-US" noProof="0" smtClean="0"/>
               <a:t>Third level</a:t>
             </a:r>
-            <a:endParaRPr lang="en-US" altLang="en-US" noProof="0" smtClean="0"/>
           </a:p>
           <a:p>
             <a:pPr lvl="3"/>
@@ -538,7 +568,6 @@
               <a:rPr lang="en-US" altLang="en-US" noProof="0" smtClean="0"/>
               <a:t>Fourth level</a:t>
             </a:r>
-            <a:endParaRPr lang="en-US" altLang="en-US" noProof="0" smtClean="0"/>
           </a:p>
           <a:p>
             <a:pPr lvl="4"/>
@@ -625,6 +654,7 @@
             </a:pPr>
             <a:fld id="{929BC549-F7D3-4E42-BD26-E34CEF5029A0}" type="slidenum">
               <a:rPr lang="en-AU" altLang="en-US"/>
+              <a:t>‹#›</a:t>
             </a:fld>
             <a:endParaRPr lang="en-AU" altLang="en-US">
               <a:latin typeface="Lato Light"/>
@@ -1187,7 +1217,6 @@
               <a:rPr lang="zh-CN" altLang="en-US" dirty="0" smtClean="0"/>
               <a:t>单击此处编辑母版文本样式</a:t>
             </a:r>
-            <a:endParaRPr lang="zh-CN" altLang="en-US" dirty="0" smtClean="0"/>
           </a:p>
         </p:txBody>
       </p:sp>
@@ -1304,7 +1333,6 @@
               <a:rPr lang="zh-CN" altLang="en-US" dirty="0" smtClean="0"/>
               <a:t>单击此处编辑母版文本样式</a:t>
             </a:r>
-            <a:endParaRPr lang="zh-CN" altLang="en-US" dirty="0" smtClean="0"/>
           </a:p>
         </p:txBody>
       </p:sp>
@@ -1512,6 +1540,7 @@
                 <a:latin typeface="Arial" panose="020B0604020202020204" pitchFamily="34" charset="0"/>
                 <a:cs typeface="+mn-ea"/>
               </a:rPr>
+              <a:t>‹#›</a:t>
             </a:fld>
             <a:endParaRPr lang="id-ID" altLang="zh-CN" sz="730" b="1" noProof="1">
               <a:solidFill>
@@ -1806,6 +1835,7 @@
                 <a:latin typeface="Arial" panose="020B0604020202020204" pitchFamily="34" charset="0"/>
                 <a:cs typeface="+mn-ea"/>
               </a:rPr>
+              <a:t>‹#›</a:t>
             </a:fld>
             <a:endParaRPr lang="id-ID" altLang="zh-CN" sz="730" b="1" noProof="1">
               <a:solidFill>
@@ -2180,6 +2210,7 @@
                 <a:latin typeface="Arial" panose="020B0604020202020204" pitchFamily="34" charset="0"/>
                 <a:cs typeface="+mn-ea"/>
               </a:rPr>
+              <a:t>‹#›</a:t>
             </a:fld>
             <a:endParaRPr lang="id-ID" altLang="zh-CN" sz="730" b="1" noProof="1">
               <a:solidFill>
@@ -2798,14 +2829,6 @@
               </a:rPr>
               <a:t>(002642.sz)</a:t>
             </a:r>
-            <a:endParaRPr lang="en-US" altLang="zh-CN" sz="825" dirty="0">
-              <a:solidFill>
-                <a:srgbClr val="FF6600"/>
-              </a:solidFill>
-              <a:latin typeface="微软雅黑" panose="020B0503020204020204" pitchFamily="34" charset="-122"/>
-              <a:ea typeface="微软雅黑" panose="020B0503020204020204" pitchFamily="34" charset="-122"/>
-              <a:cs typeface="Lato Light"/>
-            </a:endParaRPr>
           </a:p>
         </p:txBody>
       </p:sp>
@@ -2918,6 +2941,7 @@
           <a:p>
             <a:fld id="{82F288E0-7875-42C4-84C8-98DBBD3BF4D2}" type="datetimeFigureOut">
               <a:rPr lang="zh-CN" altLang="en-US" smtClean="0"/>
+              <a:t>2019/2/28</a:t>
             </a:fld>
             <a:endParaRPr lang="zh-CN" altLang="en-US"/>
           </a:p>
@@ -2967,6 +2991,7 @@
             </a:pPr>
             <a:fld id="{11571FE2-1112-4EB6-B34B-AB98BE21C1EB}" type="slidenum">
               <a:rPr lang="zh-CN" altLang="en-US"/>
+              <a:t>‹#›</a:t>
             </a:fld>
             <a:endParaRPr lang="zh-CN" altLang="en-US">
               <a:latin typeface="Lato Light"/>
@@ -3484,7 +3509,6 @@
               <a:rPr lang="zh-CN" altLang="en-US" dirty="0" smtClean="0"/>
               <a:t>单击此处编辑母版文本样式</a:t>
             </a:r>
-            <a:endParaRPr lang="zh-CN" altLang="en-US" dirty="0" smtClean="0"/>
           </a:p>
         </p:txBody>
       </p:sp>
@@ -3526,7 +3550,6 @@
               <a:rPr lang="zh-CN" altLang="en-US" dirty="0" smtClean="0"/>
               <a:t>单击此处编辑母版文本样式</a:t>
             </a:r>
-            <a:endParaRPr lang="zh-CN" altLang="en-US" dirty="0" smtClean="0"/>
           </a:p>
         </p:txBody>
       </p:sp>
@@ -7800,6 +7823,7 @@
                 <a:latin typeface="Arial" panose="020B0604020202020204" pitchFamily="34" charset="0"/>
                 <a:cs typeface="+mn-ea"/>
               </a:rPr>
+              <a:t>‹#›</a:t>
             </a:fld>
             <a:endParaRPr lang="id-ID" altLang="zh-CN" sz="730" b="1" noProof="1">
               <a:solidFill>
@@ -8190,7 +8214,6 @@
               <a:rPr lang="zh-CN" altLang="en-US" noProof="1"/>
               <a:t>单击此处编辑母版文本样式</a:t>
             </a:r>
-            <a:endParaRPr lang="zh-CN" altLang="en-US" noProof="1"/>
           </a:p>
           <a:p>
             <a:pPr lvl="1"/>
@@ -8198,7 +8221,6 @@
               <a:rPr lang="zh-CN" altLang="en-US" noProof="1"/>
               <a:t>第二级</a:t>
             </a:r>
-            <a:endParaRPr lang="zh-CN" altLang="en-US" noProof="1"/>
           </a:p>
           <a:p>
             <a:pPr lvl="2"/>
@@ -8206,7 +8228,6 @@
               <a:rPr lang="zh-CN" altLang="en-US" noProof="1"/>
               <a:t>第三级</a:t>
             </a:r>
-            <a:endParaRPr lang="zh-CN" altLang="en-US" noProof="1"/>
           </a:p>
           <a:p>
             <a:pPr lvl="3"/>
@@ -8214,7 +8235,6 @@
               <a:rPr lang="zh-CN" altLang="en-US" noProof="1"/>
               <a:t>第四级</a:t>
             </a:r>
-            <a:endParaRPr lang="zh-CN" altLang="en-US" noProof="1"/>
           </a:p>
           <a:p>
             <a:pPr lvl="4"/>
@@ -8222,7 +8242,6 @@
               <a:rPr lang="zh-CN" altLang="en-US" noProof="1"/>
               <a:t>第五级</a:t>
             </a:r>
-            <a:endParaRPr lang="zh-CN" altLang="en-US" noProof="1"/>
           </a:p>
         </p:txBody>
       </p:sp>
@@ -8266,6 +8285,7 @@
             </a:pPr>
             <a:fld id="{11571FE2-1112-4EB6-B34B-AB98BE21C1EB}" type="slidenum">
               <a:rPr lang="zh-CN" altLang="en-US"/>
+              <a:t>‹#›</a:t>
             </a:fld>
             <a:endParaRPr lang="zh-CN" altLang="en-US">
               <a:latin typeface="Lato Light"/>
@@ -8931,7 +8951,6 @@
               <a:rPr lang="zh-CN" altLang="en-US"/>
               <a:t>变量的定义</a:t>
             </a:r>
-            <a:endParaRPr lang="zh-CN" altLang="en-US"/>
           </a:p>
         </p:txBody>
       </p:sp>
@@ -8959,6 +8978,7 @@
               <a:lightRig rig="threePt" dir="t"/>
             </a:scene3d>
           </a:bodyPr>
+          <a:lstStyle/>
           <a:p>
             <a:pPr>
               <a:lnSpc>
@@ -8966,7 +8986,7 @@
               </a:lnSpc>
             </a:pPr>
             <a:r>
-              <a:rPr lang="zh-CN" altLang="en-US" sz="1600">
+              <a:rPr lang="zh-CN" altLang="en-US" sz="1600" dirty="0">
                 <a:ln/>
                 <a:solidFill>
                   <a:schemeClr val="accent1"/>
@@ -8978,7 +8998,7 @@
               <a:t>变量的定义</a:t>
             </a:r>
             <a:r>
-              <a:rPr lang="en-US" altLang="zh-CN" sz="1600">
+              <a:rPr lang="en-US" altLang="zh-CN" sz="1600" dirty="0">
                 <a:ln/>
                 <a:solidFill>
                   <a:schemeClr val="accent1"/>
@@ -8990,7 +9010,7 @@
               <a:t>: </a:t>
             </a:r>
             <a:r>
-              <a:rPr lang="en-US" altLang="zh-CN" sz="1600">
+              <a:rPr lang="en-US" altLang="zh-CN" sz="1600" dirty="0">
                 <a:ln/>
                 <a:solidFill>
                   <a:schemeClr val="accent3">
@@ -9004,7 +9024,7 @@
               <a:t>SASS</a:t>
             </a:r>
             <a:r>
-              <a:rPr lang="zh-CN" altLang="en-US" sz="1600">
+              <a:rPr lang="zh-CN" altLang="en-US" sz="1600" dirty="0">
                 <a:ln/>
                 <a:solidFill>
                   <a:schemeClr val="accent3">
@@ -9018,7 +9038,7 @@
               <a:t>所用变量以</a:t>
             </a:r>
             <a:r>
-              <a:rPr lang="en-US" altLang="zh-CN" sz="1600">
+              <a:rPr lang="en-US" altLang="zh-CN" sz="1600" dirty="0">
                 <a:ln/>
                 <a:solidFill>
                   <a:schemeClr val="accent3">
@@ -9032,7 +9052,7 @@
               <a:t>$</a:t>
             </a:r>
             <a:r>
-              <a:rPr lang="zh-CN" altLang="en-US" sz="1600">
+              <a:rPr lang="zh-CN" altLang="en-US" sz="1600" dirty="0">
                 <a:ln/>
                 <a:solidFill>
                   <a:schemeClr val="accent3">
@@ -9046,7 +9066,7 @@
               <a:t>开通，如果变量需要嵌套在字符串中，需要些在</a:t>
             </a:r>
             <a:r>
-              <a:rPr lang="en-US" altLang="zh-CN" sz="1600">
+              <a:rPr lang="en-US" altLang="zh-CN" sz="1600" dirty="0">
                 <a:ln/>
                 <a:solidFill>
                   <a:schemeClr val="accent3">
@@ -9060,7 +9080,7 @@
               <a:t>#{}</a:t>
             </a:r>
             <a:r>
-              <a:rPr lang="zh-CN" altLang="en-US" sz="1600">
+              <a:rPr lang="zh-CN" altLang="en-US" sz="1600" dirty="0">
                 <a:ln/>
                 <a:solidFill>
                   <a:schemeClr val="accent3">
@@ -9073,17 +9093,6 @@
               </a:rPr>
               <a:t>之中</a:t>
             </a:r>
-            <a:endParaRPr lang="zh-CN" altLang="en-US" sz="1600">
-              <a:ln/>
-              <a:solidFill>
-                <a:schemeClr val="accent3">
-                  <a:lumMod val="75000"/>
-                </a:schemeClr>
-              </a:solidFill>
-              <a:effectLst/>
-              <a:latin typeface="微软雅黑" panose="020B0503020204020204" pitchFamily="34" charset="-122"/>
-              <a:ea typeface="微软雅黑" panose="020B0503020204020204" pitchFamily="34" charset="-122"/>
-            </a:endParaRPr>
           </a:p>
         </p:txBody>
       </p:sp>
@@ -9096,14 +9105,14 @@
           <p:nvPr/>
         </p:nvPicPr>
         <p:blipFill>
-          <a:blip r:embed="rId1"/>
+          <a:blip r:embed="rId2"/>
           <a:stretch>
             <a:fillRect/>
           </a:stretch>
         </p:blipFill>
         <p:spPr>
           <a:xfrm>
-            <a:off x="763905" y="1666875"/>
+            <a:off x="415115" y="1666875"/>
             <a:ext cx="4062095" cy="2832735"/>
           </a:xfrm>
           <a:prstGeom prst="rect">
@@ -9136,7 +9145,14 @@
         <p:cNvGrpSpPr/>
         <p:nvPr/>
       </p:nvGrpSpPr>
-      <p:grpSpPr/>
+      <p:grpSpPr>
+        <a:xfrm>
+          <a:off x="0" y="0"/>
+          <a:ext cx="0" cy="0"/>
+          <a:chOff x="0" y="0"/>
+          <a:chExt cx="0" cy="0"/>
+        </a:xfrm>
+      </p:grpSpPr>
       <p:sp>
         <p:nvSpPr>
           <p:cNvPr id="4" name="标题 1"/>
@@ -9340,29 +9356,101 @@
               <a:rPr lang="zh-CN" altLang="en-US"/>
               <a:t>计算功能</a:t>
             </a:r>
-            <a:endParaRPr lang="zh-CN" altLang="en-US"/>
+          </a:p>
+        </p:txBody>
+      </p:sp>
+      <p:sp>
+        <p:nvSpPr>
+          <p:cNvPr id="2" name="文本框 1"/>
+          <p:cNvSpPr txBox="1"/>
+          <p:nvPr/>
+        </p:nvSpPr>
+        <p:spPr>
+          <a:xfrm>
+            <a:off x="293811" y="1033780"/>
+            <a:ext cx="6460684" cy="646331"/>
+          </a:xfrm>
+          <a:prstGeom prst="rect">
+            <a:avLst/>
+          </a:prstGeom>
+          <a:noFill/>
+        </p:spPr>
+        <p:txBody>
+          <a:bodyPr wrap="square" rtlCol="0">
+            <a:spAutoFit/>
+          </a:bodyPr>
+          <a:lstStyle/>
+          <a:p>
+            <a:r>
+              <a:rPr lang="zh-CN" altLang="en-US" dirty="0" smtClean="0">
+                <a:ln/>
+                <a:solidFill>
+                  <a:schemeClr val="accent1"/>
+                </a:solidFill>
+                <a:latin typeface="微软雅黑" panose="020B0503020204020204" pitchFamily="34" charset="-122"/>
+                <a:ea typeface="微软雅黑" panose="020B0503020204020204" pitchFamily="34" charset="-122"/>
+              </a:rPr>
+              <a:t>计算属性</a:t>
+            </a:r>
+            <a:r>
+              <a:rPr lang="en-US" altLang="zh-CN" dirty="0" smtClean="0">
+                <a:ln/>
+                <a:solidFill>
+                  <a:schemeClr val="accent1"/>
+                </a:solidFill>
+                <a:latin typeface="微软雅黑" panose="020B0503020204020204" pitchFamily="34" charset="-122"/>
+                <a:ea typeface="微软雅黑" panose="020B0503020204020204" pitchFamily="34" charset="-122"/>
+              </a:rPr>
+              <a:t>: </a:t>
+            </a:r>
+            <a:r>
+              <a:rPr lang="en-US" altLang="zh-CN" dirty="0" smtClean="0">
+                <a:ln/>
+                <a:solidFill>
+                  <a:schemeClr val="accent3">
+                    <a:lumMod val="75000"/>
+                  </a:schemeClr>
+                </a:solidFill>
+                <a:latin typeface="微软雅黑" panose="020B0503020204020204" pitchFamily="34" charset="-122"/>
+                <a:ea typeface="微软雅黑" panose="020B0503020204020204" pitchFamily="34" charset="-122"/>
+              </a:rPr>
+              <a:t>SASS</a:t>
+            </a:r>
+            <a:r>
+              <a:rPr lang="zh-CN" altLang="en-US" dirty="0" smtClean="0">
+                <a:ln/>
+                <a:solidFill>
+                  <a:schemeClr val="accent3">
+                    <a:lumMod val="75000"/>
+                  </a:schemeClr>
+                </a:solidFill>
+                <a:latin typeface="微软雅黑" panose="020B0503020204020204" pitchFamily="34" charset="-122"/>
+                <a:ea typeface="微软雅黑" panose="020B0503020204020204" pitchFamily="34" charset="-122"/>
+              </a:rPr>
+              <a:t>允许在代码中使用计算属性，可以是两个值运算，也可以是变量间的求值</a:t>
+            </a:r>
+            <a:endParaRPr kumimoji="1" lang="zh-CN" altLang="en-US" dirty="0"/>
           </a:p>
         </p:txBody>
       </p:sp>
       <p:pic>
         <p:nvPicPr>
-          <p:cNvPr id="6" name="图片 6" descr="541d621f001fbbcfda3ead230dd4a35"/>
+          <p:cNvPr id="3" name="图片 2"/>
           <p:cNvPicPr>
             <a:picLocks noChangeAspect="1"/>
           </p:cNvPicPr>
           <p:nvPr/>
         </p:nvPicPr>
         <p:blipFill>
-          <a:blip r:embed="rId1"/>
-          <a:srcRect l="4432" t="22554" b="9394"/>
+          <a:blip r:embed="rId2"/>
           <a:stretch>
             <a:fillRect/>
           </a:stretch>
         </p:blipFill>
         <p:spPr>
           <a:xfrm>
-            <a:off x="62865" y="1033780"/>
-            <a:ext cx="6691630" cy="2839720"/>
+            <a:off x="352688" y="1746787"/>
+            <a:ext cx="3578289" cy="2751875"/>
           </a:xfrm>
           <a:prstGeom prst="rect">
             <a:avLst/>
@@ -9375,6 +9463,13 @@
     <a:masterClrMapping/>
   </p:clrMapOvr>
   <p:transition/>
+  <p:timing>
+    <p:tnLst>
+      <p:par>
+        <p:cTn id="1" dur="indefinite" restart="never" nodeType="tmRoot"/>
+      </p:par>
+    </p:tnLst>
+  </p:timing>
 </p:sld>
 </file>
 
@@ -9387,7 +9482,14 @@
         <p:cNvGrpSpPr/>
         <p:nvPr/>
       </p:nvGrpSpPr>
-      <p:grpSpPr/>
+      <p:grpSpPr>
+        <a:xfrm>
+          <a:off x="0" y="0"/>
+          <a:ext cx="0" cy="0"/>
+          <a:chOff x="0" y="0"/>
+          <a:chExt cx="0" cy="0"/>
+        </a:xfrm>
+      </p:grpSpPr>
       <p:sp>
         <p:nvSpPr>
           <p:cNvPr id="4" name="标题 1"/>
@@ -9576,44 +9678,274 @@
           </a:lstStyle>
           <a:p>
             <a:r>
-              <a:rPr altLang="zh-CN"/>
+              <a:rPr altLang="zh-CN" dirty="0"/>
               <a:t>SASS</a:t>
             </a:r>
             <a:r>
-              <a:rPr lang="zh-CN" altLang="en-US"/>
+              <a:rPr lang="zh-CN" altLang="en-US" dirty="0"/>
               <a:t>的使用方法</a:t>
             </a:r>
             <a:r>
-              <a:rPr altLang="zh-CN"/>
+              <a:rPr altLang="zh-CN" dirty="0"/>
               <a:t>-</a:t>
             </a:r>
             <a:r>
-              <a:rPr lang="zh-CN" altLang="en-US"/>
+              <a:rPr lang="zh-CN" altLang="en-US" dirty="0"/>
               <a:t>继承</a:t>
             </a:r>
-            <a:endParaRPr lang="zh-CN" altLang="en-US"/>
+          </a:p>
+        </p:txBody>
+      </p:sp>
+      <p:sp>
+        <p:nvSpPr>
+          <p:cNvPr id="2" name="矩形 1"/>
+          <p:cNvSpPr/>
+          <p:nvPr/>
+        </p:nvSpPr>
+        <p:spPr>
+          <a:xfrm>
+            <a:off x="352688" y="902723"/>
+            <a:ext cx="6284718" cy="646331"/>
+          </a:xfrm>
+          <a:prstGeom prst="rect">
+            <a:avLst/>
+          </a:prstGeom>
+        </p:spPr>
+        <p:txBody>
+          <a:bodyPr wrap="square">
+            <a:spAutoFit/>
+          </a:bodyPr>
+          <a:lstStyle/>
+          <a:p>
+            <a:r>
+              <a:rPr lang="zh-CN" altLang="en-US" dirty="0" smtClean="0">
+                <a:ln/>
+                <a:solidFill>
+                  <a:schemeClr val="accent1"/>
+                </a:solidFill>
+                <a:latin typeface="微软雅黑" panose="020B0503020204020204" pitchFamily="34" charset="-122"/>
+                <a:ea typeface="微软雅黑" panose="020B0503020204020204" pitchFamily="34" charset="-122"/>
+              </a:rPr>
+              <a:t>复用功能</a:t>
+            </a:r>
+            <a:r>
+              <a:rPr lang="en-US" altLang="zh-CN" dirty="0" smtClean="0">
+                <a:ln/>
+                <a:solidFill>
+                  <a:schemeClr val="accent1"/>
+                </a:solidFill>
+                <a:latin typeface="微软雅黑" panose="020B0503020204020204" pitchFamily="34" charset="-122"/>
+                <a:ea typeface="微软雅黑" panose="020B0503020204020204" pitchFamily="34" charset="-122"/>
+              </a:rPr>
+              <a:t>:</a:t>
+            </a:r>
+            <a:r>
+              <a:rPr lang="zh-CN" altLang="en-US" dirty="0" smtClean="0">
+                <a:ln/>
+                <a:solidFill>
+                  <a:schemeClr val="accent1"/>
+                </a:solidFill>
+                <a:latin typeface="微软雅黑" panose="020B0503020204020204" pitchFamily="34" charset="-122"/>
+                <a:ea typeface="微软雅黑" panose="020B0503020204020204" pitchFamily="34" charset="-122"/>
+              </a:rPr>
+              <a:t>  </a:t>
+            </a:r>
+            <a:r>
+              <a:rPr lang="en-US" altLang="zh-CN" dirty="0" smtClean="0">
+                <a:ln/>
+                <a:solidFill>
+                  <a:schemeClr val="accent3">
+                    <a:lumMod val="75000"/>
+                  </a:schemeClr>
+                </a:solidFill>
+                <a:latin typeface="微软雅黑" panose="020B0503020204020204" pitchFamily="34" charset="-122"/>
+                <a:ea typeface="微软雅黑" panose="020B0503020204020204" pitchFamily="34" charset="-122"/>
+              </a:rPr>
+              <a:t>(</a:t>
+            </a:r>
+            <a:r>
+              <a:rPr lang="zh-CN" altLang="en-US" dirty="0" smtClean="0">
+                <a:ln/>
+                <a:solidFill>
+                  <a:schemeClr val="accent3">
+                    <a:lumMod val="75000"/>
+                  </a:schemeClr>
+                </a:solidFill>
+                <a:latin typeface="微软雅黑" panose="020B0503020204020204" pitchFamily="34" charset="-122"/>
+                <a:ea typeface="微软雅黑" panose="020B0503020204020204" pitchFamily="34" charset="-122"/>
+              </a:rPr>
+              <a:t>继承</a:t>
+            </a:r>
+            <a:r>
+              <a:rPr lang="en-US" altLang="zh-CN" dirty="0" smtClean="0">
+                <a:ln/>
+                <a:solidFill>
+                  <a:schemeClr val="accent3">
+                    <a:lumMod val="75000"/>
+                  </a:schemeClr>
+                </a:solidFill>
+                <a:latin typeface="微软雅黑" panose="020B0503020204020204" pitchFamily="34" charset="-122"/>
+                <a:ea typeface="微软雅黑" panose="020B0503020204020204" pitchFamily="34" charset="-122"/>
+              </a:rPr>
+              <a:t>)</a:t>
+            </a:r>
+            <a:r>
+              <a:rPr lang="zh-CN" altLang="en-US" dirty="0" smtClean="0">
+                <a:ln/>
+                <a:solidFill>
+                  <a:schemeClr val="accent3">
+                    <a:lumMod val="75000"/>
+                  </a:schemeClr>
+                </a:solidFill>
+                <a:latin typeface="微软雅黑" panose="020B0503020204020204" pitchFamily="34" charset="-122"/>
+                <a:ea typeface="微软雅黑" panose="020B0503020204020204" pitchFamily="34" charset="-122"/>
+              </a:rPr>
+              <a:t> </a:t>
+            </a:r>
+            <a:r>
+              <a:rPr lang="en-US" altLang="zh-CN" dirty="0" smtClean="0">
+                <a:ln/>
+                <a:solidFill>
+                  <a:schemeClr val="accent3">
+                    <a:lumMod val="75000"/>
+                  </a:schemeClr>
+                </a:solidFill>
+                <a:latin typeface="微软雅黑" panose="020B0503020204020204" pitchFamily="34" charset="-122"/>
+                <a:ea typeface="微软雅黑" panose="020B0503020204020204" pitchFamily="34" charset="-122"/>
+              </a:rPr>
+              <a:t>SASS</a:t>
+            </a:r>
+            <a:r>
+              <a:rPr lang="zh-CN" altLang="en-US" dirty="0" smtClean="0">
+                <a:ln/>
+                <a:solidFill>
+                  <a:schemeClr val="accent3">
+                    <a:lumMod val="75000"/>
+                  </a:schemeClr>
+                </a:solidFill>
+                <a:latin typeface="微软雅黑" panose="020B0503020204020204" pitchFamily="34" charset="-122"/>
+                <a:ea typeface="微软雅黑" panose="020B0503020204020204" pitchFamily="34" charset="-122"/>
+              </a:rPr>
+              <a:t>允许一个选择器，继承另一个选择器。</a:t>
+            </a:r>
+            <a:endParaRPr lang="en-US" altLang="zh-CN" dirty="0" smtClean="0">
+              <a:ln/>
+              <a:solidFill>
+                <a:schemeClr val="accent3">
+                  <a:lumMod val="75000"/>
+                </a:schemeClr>
+              </a:solidFill>
+              <a:latin typeface="微软雅黑" panose="020B0503020204020204" pitchFamily="34" charset="-122"/>
+              <a:ea typeface="微软雅黑" panose="020B0503020204020204" pitchFamily="34" charset="-122"/>
+            </a:endParaRPr>
+          </a:p>
+          <a:p>
+            <a:r>
+              <a:rPr kumimoji="1" lang="zh-CN" altLang="en-US" dirty="0" smtClean="0">
+                <a:ln/>
+                <a:solidFill>
+                  <a:schemeClr val="accent3">
+                    <a:lumMod val="75000"/>
+                  </a:schemeClr>
+                </a:solidFill>
+                <a:latin typeface="微软雅黑" panose="020B0503020204020204" pitchFamily="34" charset="-122"/>
+                <a:ea typeface="微软雅黑" panose="020B0503020204020204" pitchFamily="34" charset="-122"/>
+              </a:rPr>
+              <a:t>比如，现有名为</a:t>
+            </a:r>
+            <a:r>
+              <a:rPr kumimoji="1" lang="en-US" altLang="zh-CN" dirty="0" smtClean="0">
+                <a:ln/>
+                <a:solidFill>
+                  <a:schemeClr val="accent3">
+                    <a:lumMod val="75000"/>
+                  </a:schemeClr>
+                </a:solidFill>
+                <a:latin typeface="微软雅黑" panose="020B0503020204020204" pitchFamily="34" charset="-122"/>
+                <a:ea typeface="微软雅黑" panose="020B0503020204020204" pitchFamily="34" charset="-122"/>
+              </a:rPr>
+              <a:t>a1</a:t>
+            </a:r>
+            <a:r>
+              <a:rPr kumimoji="1" lang="zh-CN" altLang="en-US" dirty="0" smtClean="0">
+                <a:ln/>
+                <a:solidFill>
+                  <a:schemeClr val="accent3">
+                    <a:lumMod val="75000"/>
+                  </a:schemeClr>
+                </a:solidFill>
+                <a:latin typeface="微软雅黑" panose="020B0503020204020204" pitchFamily="34" charset="-122"/>
+                <a:ea typeface="微软雅黑" panose="020B0503020204020204" pitchFamily="34" charset="-122"/>
+              </a:rPr>
+              <a:t>的类型， </a:t>
+            </a:r>
+            <a:r>
+              <a:rPr kumimoji="1" lang="en-US" altLang="zh-CN" dirty="0" smtClean="0">
+                <a:ln/>
+                <a:solidFill>
+                  <a:schemeClr val="accent3">
+                    <a:lumMod val="75000"/>
+                  </a:schemeClr>
+                </a:solidFill>
+                <a:latin typeface="微软雅黑" panose="020B0503020204020204" pitchFamily="34" charset="-122"/>
+                <a:ea typeface="微软雅黑" panose="020B0503020204020204" pitchFamily="34" charset="-122"/>
+              </a:rPr>
+              <a:t>a2</a:t>
+            </a:r>
+            <a:r>
+              <a:rPr kumimoji="1" lang="zh-CN" altLang="en-US" dirty="0" smtClean="0">
+                <a:ln/>
+                <a:solidFill>
+                  <a:schemeClr val="accent3">
+                    <a:lumMod val="75000"/>
+                  </a:schemeClr>
+                </a:solidFill>
+                <a:latin typeface="微软雅黑" panose="020B0503020204020204" pitchFamily="34" charset="-122"/>
+                <a:ea typeface="微软雅黑" panose="020B0503020204020204" pitchFamily="34" charset="-122"/>
+              </a:rPr>
+              <a:t>继承</a:t>
+            </a:r>
+            <a:r>
+              <a:rPr kumimoji="1" lang="en-US" altLang="zh-CN" dirty="0" smtClean="0">
+                <a:ln/>
+                <a:solidFill>
+                  <a:schemeClr val="accent3">
+                    <a:lumMod val="75000"/>
+                  </a:schemeClr>
+                </a:solidFill>
+                <a:latin typeface="微软雅黑" panose="020B0503020204020204" pitchFamily="34" charset="-122"/>
+                <a:ea typeface="微软雅黑" panose="020B0503020204020204" pitchFamily="34" charset="-122"/>
+              </a:rPr>
+              <a:t>a1</a:t>
+            </a:r>
+            <a:endParaRPr kumimoji="1" lang="zh-CN" altLang="en-US" dirty="0">
+              <a:solidFill>
+                <a:schemeClr val="accent3">
+                  <a:lumMod val="75000"/>
+                </a:schemeClr>
+              </a:solidFill>
+            </a:endParaRPr>
           </a:p>
         </p:txBody>
       </p:sp>
       <p:pic>
         <p:nvPicPr>
-          <p:cNvPr id="8" name="图片 8" descr="9abdd4ab27c4d7b19828113d9c5046b"/>
+          <p:cNvPr id="5" name="图片 4"/>
           <p:cNvPicPr>
             <a:picLocks noChangeAspect="1"/>
           </p:cNvPicPr>
           <p:nvPr/>
         </p:nvPicPr>
         <p:blipFill>
-          <a:blip r:embed="rId1"/>
-          <a:srcRect t="22040" r="4592" b="9312"/>
+          <a:blip r:embed="rId2"/>
           <a:stretch>
             <a:fillRect/>
           </a:stretch>
         </p:blipFill>
         <p:spPr>
           <a:xfrm>
-            <a:off x="27305" y="1212850"/>
-            <a:ext cx="6803390" cy="2591435"/>
+            <a:off x="430936" y="1616819"/>
+            <a:ext cx="4904635" cy="2868237"/>
           </a:xfrm>
           <a:prstGeom prst="rect">
             <a:avLst/>
@@ -9626,6 +9958,13 @@
     <a:masterClrMapping/>
   </p:clrMapOvr>
   <p:transition/>
+  <p:timing>
+    <p:tnLst>
+      <p:par>
+        <p:cTn id="1" dur="indefinite" restart="never" nodeType="tmRoot"/>
+      </p:par>
+    </p:tnLst>
+  </p:timing>
 </p:sld>
 </file>
 
@@ -9638,7 +9977,14 @@
         <p:cNvGrpSpPr/>
         <p:nvPr/>
       </p:nvGrpSpPr>
-      <p:grpSpPr/>
+      <p:grpSpPr>
+        <a:xfrm>
+          <a:off x="0" y="0"/>
+          <a:ext cx="0" cy="0"/>
+          <a:chOff x="0" y="0"/>
+          <a:chExt cx="0" cy="0"/>
+        </a:xfrm>
+      </p:grpSpPr>
       <p:sp>
         <p:nvSpPr>
           <p:cNvPr id="4" name="标题 1"/>
@@ -9827,39 +10173,206 @@
           </a:lstStyle>
           <a:p>
             <a:r>
-              <a:rPr altLang="zh-CN"/>
+              <a:rPr altLang="zh-CN" dirty="0"/>
               <a:t>SASS</a:t>
             </a:r>
             <a:r>
-              <a:rPr lang="zh-CN" altLang="en-US"/>
+              <a:rPr lang="zh-CN" altLang="en-US" dirty="0"/>
               <a:t>的使用方法</a:t>
             </a:r>
             <a:r>
-              <a:rPr altLang="zh-CN"/>
-              <a:t>-Mixin</a:t>
-            </a:r>
-            <a:endParaRPr altLang="zh-CN"/>
+              <a:rPr altLang="zh-CN" dirty="0" smtClean="0"/>
+              <a:t>-</a:t>
+            </a:r>
+            <a:r>
+              <a:rPr lang="zh-CN" altLang="en-US" dirty="0" smtClean="0"/>
+              <a:t>继承 </a:t>
+            </a:r>
+            <a:r>
+              <a:rPr altLang="zh-CN" dirty="0" smtClean="0"/>
+              <a:t>Mixin</a:t>
+            </a:r>
+            <a:endParaRPr altLang="zh-CN" dirty="0"/>
+          </a:p>
+        </p:txBody>
+      </p:sp>
+      <p:sp>
+        <p:nvSpPr>
+          <p:cNvPr id="2" name="矩形 1"/>
+          <p:cNvSpPr/>
+          <p:nvPr/>
+        </p:nvSpPr>
+        <p:spPr>
+          <a:xfrm>
+            <a:off x="352688" y="973763"/>
+            <a:ext cx="6074745" cy="646331"/>
+          </a:xfrm>
+          <a:prstGeom prst="rect">
+            <a:avLst/>
+          </a:prstGeom>
+        </p:spPr>
+        <p:txBody>
+          <a:bodyPr wrap="square">
+            <a:spAutoFit/>
+          </a:bodyPr>
+          <a:lstStyle/>
+          <a:p>
+            <a:r>
+              <a:rPr lang="zh-CN" altLang="en-US" dirty="0" smtClean="0">
+                <a:ln/>
+                <a:solidFill>
+                  <a:schemeClr val="accent1"/>
+                </a:solidFill>
+                <a:latin typeface="微软雅黑" panose="020B0503020204020204" pitchFamily="34" charset="-122"/>
+                <a:ea typeface="微软雅黑" panose="020B0503020204020204" pitchFamily="34" charset="-122"/>
+              </a:rPr>
+              <a:t>复用功能</a:t>
+            </a:r>
+            <a:r>
+              <a:rPr lang="zh-CN" altLang="en-US" dirty="0" smtClean="0">
+                <a:ln/>
+                <a:solidFill>
+                  <a:schemeClr val="accent1"/>
+                </a:solidFill>
+                <a:latin typeface="微软雅黑" panose="020B0503020204020204" pitchFamily="34" charset="-122"/>
+                <a:ea typeface="微软雅黑" panose="020B0503020204020204" pitchFamily="34" charset="-122"/>
+                <a:sym typeface="Wingdings"/>
+              </a:rPr>
+              <a:t>（</a:t>
+            </a:r>
+            <a:r>
+              <a:rPr lang="en-US" altLang="zh-CN" dirty="0" err="1" smtClean="0">
+                <a:ln/>
+                <a:solidFill>
+                  <a:schemeClr val="accent1"/>
+                </a:solidFill>
+                <a:latin typeface="微软雅黑" panose="020B0503020204020204" pitchFamily="34" charset="-122"/>
+                <a:ea typeface="微软雅黑" panose="020B0503020204020204" pitchFamily="34" charset="-122"/>
+                <a:sym typeface="Wingdings"/>
+              </a:rPr>
+              <a:t>mixin</a:t>
+            </a:r>
+            <a:r>
+              <a:rPr lang="zh-CN" altLang="en-US" dirty="0" smtClean="0">
+                <a:ln/>
+                <a:solidFill>
+                  <a:schemeClr val="accent1"/>
+                </a:solidFill>
+                <a:latin typeface="微软雅黑" panose="020B0503020204020204" pitchFamily="34" charset="-122"/>
+                <a:ea typeface="微软雅黑" panose="020B0503020204020204" pitchFamily="34" charset="-122"/>
+                <a:sym typeface="Wingdings"/>
+              </a:rPr>
+              <a:t>）</a:t>
+            </a:r>
+            <a:r>
+              <a:rPr lang="en-US" altLang="zh-CN" dirty="0" smtClean="0">
+                <a:ln/>
+                <a:solidFill>
+                  <a:schemeClr val="accent1"/>
+                </a:solidFill>
+                <a:latin typeface="微软雅黑" panose="020B0503020204020204" pitchFamily="34" charset="-122"/>
+                <a:ea typeface="微软雅黑" panose="020B0503020204020204" pitchFamily="34" charset="-122"/>
+                <a:sym typeface="Wingdings"/>
+              </a:rPr>
+              <a:t>:</a:t>
+            </a:r>
+            <a:r>
+              <a:rPr lang="en-US" altLang="zh-CN" dirty="0" smtClean="0">
+                <a:ln/>
+                <a:solidFill>
+                  <a:schemeClr val="accent3">
+                    <a:lumMod val="50000"/>
+                  </a:schemeClr>
+                </a:solidFill>
+                <a:latin typeface="微软雅黑" panose="020B0503020204020204" pitchFamily="34" charset="-122"/>
+                <a:ea typeface="微软雅黑" panose="020B0503020204020204" pitchFamily="34" charset="-122"/>
+                <a:sym typeface="Wingdings"/>
+              </a:rPr>
+              <a:t>SASS</a:t>
+            </a:r>
+            <a:r>
+              <a:rPr lang="zh-CN" altLang="en-US" dirty="0" smtClean="0">
+                <a:ln/>
+                <a:solidFill>
+                  <a:schemeClr val="accent3">
+                    <a:lumMod val="50000"/>
+                  </a:schemeClr>
+                </a:solidFill>
+                <a:latin typeface="微软雅黑" panose="020B0503020204020204" pitchFamily="34" charset="-122"/>
+                <a:ea typeface="微软雅黑" panose="020B0503020204020204" pitchFamily="34" charset="-122"/>
+                <a:sym typeface="Wingdings"/>
+              </a:rPr>
+              <a:t>中可以定义一个</a:t>
+            </a:r>
+            <a:r>
+              <a:rPr lang="en-US" altLang="zh-CN" dirty="0" err="1" smtClean="0">
+                <a:ln/>
+                <a:solidFill>
+                  <a:schemeClr val="accent3">
+                    <a:lumMod val="50000"/>
+                  </a:schemeClr>
+                </a:solidFill>
+                <a:latin typeface="微软雅黑" panose="020B0503020204020204" pitchFamily="34" charset="-122"/>
+                <a:ea typeface="微软雅黑" panose="020B0503020204020204" pitchFamily="34" charset="-122"/>
+                <a:sym typeface="Wingdings"/>
+              </a:rPr>
+              <a:t>Mixin</a:t>
+            </a:r>
+            <a:r>
+              <a:rPr lang="zh-CN" altLang="en-US" dirty="0" smtClean="0">
+                <a:ln/>
+                <a:solidFill>
+                  <a:schemeClr val="accent3">
+                    <a:lumMod val="50000"/>
+                  </a:schemeClr>
+                </a:solidFill>
+                <a:latin typeface="微软雅黑" panose="020B0503020204020204" pitchFamily="34" charset="-122"/>
+                <a:ea typeface="微软雅黑" panose="020B0503020204020204" pitchFamily="34" charset="-122"/>
+                <a:sym typeface="Wingdings"/>
+              </a:rPr>
+              <a:t>块，它是可以重用的模块</a:t>
+            </a:r>
+            <a:r>
+              <a:rPr lang="en-US" altLang="zh-CN" dirty="0" smtClean="0">
+                <a:ln/>
+                <a:solidFill>
+                  <a:schemeClr val="accent3">
+                    <a:lumMod val="50000"/>
+                  </a:schemeClr>
+                </a:solidFill>
+                <a:latin typeface="微软雅黑" panose="020B0503020204020204" pitchFamily="34" charset="-122"/>
+                <a:ea typeface="微软雅黑" panose="020B0503020204020204" pitchFamily="34" charset="-122"/>
+              </a:rPr>
+              <a:t> </a:t>
+            </a:r>
+            <a:endParaRPr kumimoji="1" lang="zh-CN" altLang="en-US" dirty="0">
+              <a:solidFill>
+                <a:schemeClr val="accent3">
+                  <a:lumMod val="50000"/>
+                </a:schemeClr>
+              </a:solidFill>
+            </a:endParaRPr>
           </a:p>
         </p:txBody>
       </p:sp>
       <p:pic>
         <p:nvPicPr>
-          <p:cNvPr id="9" name="图片 9" descr="01a029b810590b5cf142a69de0ae767"/>
+          <p:cNvPr id="3" name="图片 2"/>
           <p:cNvPicPr>
             <a:picLocks noChangeAspect="1"/>
           </p:cNvPicPr>
           <p:nvPr/>
         </p:nvPicPr>
         <p:blipFill>
-          <a:blip r:embed="rId1"/>
+          <a:blip r:embed="rId2"/>
           <a:stretch>
             <a:fillRect/>
           </a:stretch>
         </p:blipFill>
         <p:spPr>
           <a:xfrm>
-            <a:off x="69850" y="1195705"/>
-            <a:ext cx="6676390" cy="2731770"/>
+            <a:off x="428655" y="1664484"/>
+            <a:ext cx="4187733" cy="2763693"/>
           </a:xfrm>
           <a:prstGeom prst="rect">
             <a:avLst/>
@@ -9872,6 +10385,13 @@
     <a:masterClrMapping/>
   </p:clrMapOvr>
   <p:transition/>
+  <p:timing>
+    <p:tnLst>
+      <p:par>
+        <p:cTn id="1" dur="indefinite" restart="never" nodeType="tmRoot"/>
+      </p:par>
+    </p:tnLst>
+  </p:timing>
 </p:sld>
 </file>
 
@@ -9884,31 +10404,14 @@
         <p:cNvGrpSpPr/>
         <p:nvPr/>
       </p:nvGrpSpPr>
-      <p:grpSpPr/>
-      <p:pic>
-        <p:nvPicPr>
-          <p:cNvPr id="10" name="图片 10" descr="80599fbe4ca85d6d1b3736daf5a611a"/>
-          <p:cNvPicPr>
-            <a:picLocks noChangeAspect="1"/>
-          </p:cNvPicPr>
-          <p:nvPr/>
-        </p:nvPicPr>
-        <p:blipFill>
-          <a:blip r:embed="rId1"/>
-          <a:stretch>
-            <a:fillRect/>
-          </a:stretch>
-        </p:blipFill>
-        <p:spPr>
-          <a:xfrm>
-            <a:off x="5715" y="1171575"/>
-            <a:ext cx="6846570" cy="2459990"/>
-          </a:xfrm>
-          <a:prstGeom prst="rect">
-            <a:avLst/>
-          </a:prstGeom>
-        </p:spPr>
-      </p:pic>
+      <p:grpSpPr>
+        <a:xfrm>
+          <a:off x="0" y="0"/>
+          <a:ext cx="0" cy="0"/>
+          <a:chOff x="0" y="0"/>
+          <a:chExt cx="0" cy="0"/>
+        </a:xfrm>
+      </p:grpSpPr>
       <p:sp>
         <p:nvSpPr>
           <p:cNvPr id="4" name="标题 1"/>
@@ -10112,16 +10615,171 @@
               <a:rPr lang="zh-CN" altLang="en-US"/>
               <a:t>插入文件</a:t>
             </a:r>
-            <a:endParaRPr lang="zh-CN" altLang="en-US"/>
           </a:p>
         </p:txBody>
       </p:sp>
+      <p:sp>
+        <p:nvSpPr>
+          <p:cNvPr id="3" name="矩形 2"/>
+          <p:cNvSpPr/>
+          <p:nvPr/>
+        </p:nvSpPr>
+        <p:spPr>
+          <a:xfrm>
+            <a:off x="219523" y="1013084"/>
+            <a:ext cx="5897191" cy="646331"/>
+          </a:xfrm>
+          <a:prstGeom prst="rect">
+            <a:avLst/>
+          </a:prstGeom>
+        </p:spPr>
+        <p:txBody>
+          <a:bodyPr wrap="square">
+            <a:spAutoFit/>
+          </a:bodyPr>
+          <a:lstStyle/>
+          <a:p>
+            <a:r>
+              <a:rPr lang="zh-CN" altLang="en-US" dirty="0" smtClean="0">
+                <a:ln/>
+                <a:solidFill>
+                  <a:schemeClr val="accent1"/>
+                </a:solidFill>
+                <a:latin typeface="微软雅黑" panose="020B0503020204020204" pitchFamily="34" charset="-122"/>
+                <a:ea typeface="微软雅黑" panose="020B0503020204020204" pitchFamily="34" charset="-122"/>
+                <a:sym typeface="Wingdings"/>
+              </a:rPr>
+              <a:t>插入文件</a:t>
+            </a:r>
+            <a:r>
+              <a:rPr lang="en-US" altLang="zh-CN" dirty="0" smtClean="0">
+                <a:ln/>
+                <a:solidFill>
+                  <a:schemeClr val="accent1"/>
+                </a:solidFill>
+                <a:latin typeface="微软雅黑" panose="020B0503020204020204" pitchFamily="34" charset="-122"/>
+                <a:ea typeface="微软雅黑" panose="020B0503020204020204" pitchFamily="34" charset="-122"/>
+                <a:sym typeface="Wingdings"/>
+              </a:rPr>
+              <a:t> : </a:t>
+            </a:r>
+            <a:r>
+              <a:rPr lang="zh-CN" altLang="en-US" dirty="0" smtClean="0">
+                <a:ln/>
+                <a:solidFill>
+                  <a:schemeClr val="accent3">
+                    <a:lumMod val="50000"/>
+                  </a:schemeClr>
+                </a:solidFill>
+                <a:latin typeface="微软雅黑" panose="020B0503020204020204" pitchFamily="34" charset="-122"/>
+                <a:ea typeface="微软雅黑" panose="020B0503020204020204" pitchFamily="34" charset="-122"/>
+                <a:sym typeface="Wingdings"/>
+              </a:rPr>
+              <a:t>在</a:t>
+            </a:r>
+            <a:r>
+              <a:rPr lang="en-US" altLang="zh-CN" dirty="0" smtClean="0">
+                <a:ln/>
+                <a:solidFill>
+                  <a:schemeClr val="accent3">
+                    <a:lumMod val="50000"/>
+                  </a:schemeClr>
+                </a:solidFill>
+                <a:latin typeface="微软雅黑" panose="020B0503020204020204" pitchFamily="34" charset="-122"/>
+                <a:ea typeface="微软雅黑" panose="020B0503020204020204" pitchFamily="34" charset="-122"/>
+                <a:sym typeface="Wingdings"/>
+              </a:rPr>
+              <a:t>SASS</a:t>
+            </a:r>
+            <a:r>
+              <a:rPr lang="zh-CN" altLang="en-US" dirty="0" smtClean="0">
+                <a:ln/>
+                <a:solidFill>
+                  <a:schemeClr val="accent3">
+                    <a:lumMod val="50000"/>
+                  </a:schemeClr>
+                </a:solidFill>
+                <a:latin typeface="微软雅黑" panose="020B0503020204020204" pitchFamily="34" charset="-122"/>
+                <a:ea typeface="微软雅黑" panose="020B0503020204020204" pitchFamily="34" charset="-122"/>
+                <a:sym typeface="Wingdings"/>
+              </a:rPr>
+              <a:t>中，可以用</a:t>
+            </a:r>
+            <a:r>
+              <a:rPr lang="en-US" altLang="zh-CN" dirty="0" smtClean="0">
+                <a:ln/>
+                <a:solidFill>
+                  <a:schemeClr val="accent3">
+                    <a:lumMod val="50000"/>
+                  </a:schemeClr>
+                </a:solidFill>
+                <a:latin typeface="微软雅黑" panose="020B0503020204020204" pitchFamily="34" charset="-122"/>
+                <a:ea typeface="微软雅黑" panose="020B0503020204020204" pitchFamily="34" charset="-122"/>
+                <a:sym typeface="Wingdings"/>
+              </a:rPr>
+              <a:t>@import</a:t>
+            </a:r>
+            <a:r>
+              <a:rPr lang="zh-CN" altLang="en-US" dirty="0" smtClean="0">
+                <a:ln/>
+                <a:solidFill>
+                  <a:schemeClr val="accent3">
+                    <a:lumMod val="50000"/>
+                  </a:schemeClr>
+                </a:solidFill>
+                <a:latin typeface="微软雅黑" panose="020B0503020204020204" pitchFamily="34" charset="-122"/>
+                <a:ea typeface="微软雅黑" panose="020B0503020204020204" pitchFamily="34" charset="-122"/>
+                <a:sym typeface="Wingdings"/>
+              </a:rPr>
+              <a:t>命令，用来插入外部文件</a:t>
+            </a:r>
+            <a:endParaRPr kumimoji="1" lang="zh-CN" altLang="en-US" dirty="0">
+              <a:solidFill>
+                <a:schemeClr val="accent3">
+                  <a:lumMod val="50000"/>
+                </a:schemeClr>
+              </a:solidFill>
+            </a:endParaRPr>
+          </a:p>
+        </p:txBody>
+      </p:sp>
+      <p:pic>
+        <p:nvPicPr>
+          <p:cNvPr id="5" name="图片 4"/>
+          <p:cNvPicPr>
+            <a:picLocks noChangeAspect="1"/>
+          </p:cNvPicPr>
+          <p:nvPr/>
+        </p:nvPicPr>
+        <p:blipFill>
+          <a:blip r:embed="rId2"/>
+          <a:stretch>
+            <a:fillRect/>
+          </a:stretch>
+        </p:blipFill>
+        <p:spPr>
+          <a:xfrm>
+            <a:off x="352688" y="1996669"/>
+            <a:ext cx="4481776" cy="2047430"/>
+          </a:xfrm>
+          <a:prstGeom prst="rect">
+            <a:avLst/>
+          </a:prstGeom>
+        </p:spPr>
+      </p:pic>
     </p:spTree>
   </p:cSld>
   <p:clrMapOvr>
     <a:masterClrMapping/>
   </p:clrMapOvr>
   <p:transition/>
+  <p:timing>
+    <p:tnLst>
+      <p:par>
+        <p:cTn id="1" dur="indefinite" restart="never" nodeType="tmRoot"/>
+      </p:par>
+    </p:tnLst>
+  </p:timing>
 </p:sld>
 </file>
 
@@ -10134,31 +10792,14 @@
         <p:cNvGrpSpPr/>
         <p:nvPr/>
       </p:nvGrpSpPr>
-      <p:grpSpPr/>
-      <p:pic>
-        <p:nvPicPr>
-          <p:cNvPr id="11" name="图片 11" descr="42df4c90a023c3caea6ab05f5a7de9c"/>
-          <p:cNvPicPr>
-            <a:picLocks noChangeAspect="1"/>
-          </p:cNvPicPr>
-          <p:nvPr/>
-        </p:nvPicPr>
-        <p:blipFill>
-          <a:blip r:embed="rId1"/>
-          <a:stretch>
-            <a:fillRect/>
-          </a:stretch>
-        </p:blipFill>
-        <p:spPr>
-          <a:xfrm>
-            <a:off x="0" y="1219835"/>
-            <a:ext cx="6805295" cy="2435860"/>
-          </a:xfrm>
-          <a:prstGeom prst="rect">
-            <a:avLst/>
-          </a:prstGeom>
-        </p:spPr>
-      </p:pic>
+      <p:grpSpPr>
+        <a:xfrm>
+          <a:off x="0" y="0"/>
+          <a:ext cx="0" cy="0"/>
+          <a:chOff x="0" y="0"/>
+          <a:chExt cx="0" cy="0"/>
+        </a:xfrm>
+      </p:grpSpPr>
       <p:sp>
         <p:nvSpPr>
           <p:cNvPr id="4" name="标题 1"/>
@@ -10362,16 +11003,283 @@
               <a:rPr lang="zh-CN" altLang="en-US"/>
               <a:t>条件语句</a:t>
             </a:r>
-            <a:endParaRPr lang="zh-CN" altLang="en-US"/>
           </a:p>
         </p:txBody>
       </p:sp>
+      <p:sp>
+        <p:nvSpPr>
+          <p:cNvPr id="2" name="矩形 1"/>
+          <p:cNvSpPr/>
+          <p:nvPr/>
+        </p:nvSpPr>
+        <p:spPr>
+          <a:xfrm>
+            <a:off x="352688" y="1000377"/>
+            <a:ext cx="6065867" cy="646331"/>
+          </a:xfrm>
+          <a:prstGeom prst="rect">
+            <a:avLst/>
+          </a:prstGeom>
+        </p:spPr>
+        <p:txBody>
+          <a:bodyPr wrap="square">
+            <a:spAutoFit/>
+          </a:bodyPr>
+          <a:lstStyle/>
+          <a:p>
+            <a:r>
+              <a:rPr lang="zh-CN" altLang="en-US" dirty="0" smtClean="0">
+                <a:ln/>
+                <a:solidFill>
+                  <a:schemeClr val="accent1"/>
+                </a:solidFill>
+                <a:latin typeface="微软雅黑" panose="020B0503020204020204" pitchFamily="34" charset="-122"/>
+                <a:ea typeface="微软雅黑" panose="020B0503020204020204" pitchFamily="34" charset="-122"/>
+                <a:sym typeface="Wingdings"/>
+              </a:rPr>
+              <a:t>条件语句</a:t>
+            </a:r>
+            <a:r>
+              <a:rPr lang="en-US" altLang="zh-CN" dirty="0" smtClean="0">
+                <a:ln/>
+                <a:solidFill>
+                  <a:schemeClr val="accent1"/>
+                </a:solidFill>
+                <a:latin typeface="微软雅黑" panose="020B0503020204020204" pitchFamily="34" charset="-122"/>
+                <a:ea typeface="微软雅黑" panose="020B0503020204020204" pitchFamily="34" charset="-122"/>
+                <a:sym typeface="Wingdings"/>
+              </a:rPr>
+              <a:t>: </a:t>
+            </a:r>
+            <a:r>
+              <a:rPr lang="zh-CN" altLang="en-US" dirty="0">
+                <a:ln/>
+                <a:solidFill>
+                  <a:schemeClr val="accent3">
+                    <a:lumMod val="50000"/>
+                  </a:schemeClr>
+                </a:solidFill>
+                <a:latin typeface="微软雅黑" panose="020B0503020204020204" pitchFamily="34" charset="-122"/>
+                <a:ea typeface="微软雅黑" panose="020B0503020204020204" pitchFamily="34" charset="-122"/>
+                <a:sym typeface="Wingdings"/>
+              </a:rPr>
+              <a:t>在</a:t>
+            </a:r>
+            <a:r>
+              <a:rPr lang="en-US" altLang="zh-CN" dirty="0">
+                <a:ln/>
+                <a:solidFill>
+                  <a:schemeClr val="accent3">
+                    <a:lumMod val="50000"/>
+                  </a:schemeClr>
+                </a:solidFill>
+                <a:latin typeface="微软雅黑" panose="020B0503020204020204" pitchFamily="34" charset="-122"/>
+                <a:ea typeface="微软雅黑" panose="020B0503020204020204" pitchFamily="34" charset="-122"/>
+                <a:sym typeface="Wingdings"/>
+              </a:rPr>
+              <a:t>SASS</a:t>
+            </a:r>
+            <a:r>
+              <a:rPr lang="zh-CN" altLang="en-US" dirty="0">
+                <a:ln/>
+                <a:solidFill>
+                  <a:schemeClr val="accent3">
+                    <a:lumMod val="50000"/>
+                  </a:schemeClr>
+                </a:solidFill>
+                <a:latin typeface="微软雅黑" panose="020B0503020204020204" pitchFamily="34" charset="-122"/>
+                <a:ea typeface="微软雅黑" panose="020B0503020204020204" pitchFamily="34" charset="-122"/>
+                <a:sym typeface="Wingdings"/>
+              </a:rPr>
+              <a:t>中</a:t>
+            </a:r>
+            <a:r>
+              <a:rPr lang="zh-CN" altLang="en-US" dirty="0" smtClean="0">
+                <a:ln/>
+                <a:solidFill>
+                  <a:schemeClr val="accent3">
+                    <a:lumMod val="50000"/>
+                  </a:schemeClr>
+                </a:solidFill>
+                <a:latin typeface="微软雅黑" panose="020B0503020204020204" pitchFamily="34" charset="-122"/>
+                <a:ea typeface="微软雅黑" panose="020B0503020204020204" pitchFamily="34" charset="-122"/>
+                <a:sym typeface="Wingdings"/>
+              </a:rPr>
+              <a:t>，可以使用</a:t>
+            </a:r>
+            <a:r>
+              <a:rPr lang="en-US" altLang="zh-CN" dirty="0" smtClean="0">
+                <a:ln/>
+                <a:solidFill>
+                  <a:schemeClr val="accent3">
+                    <a:lumMod val="50000"/>
+                  </a:schemeClr>
+                </a:solidFill>
+                <a:latin typeface="微软雅黑" panose="020B0503020204020204" pitchFamily="34" charset="-122"/>
+                <a:ea typeface="微软雅黑" panose="020B0503020204020204" pitchFamily="34" charset="-122"/>
+                <a:sym typeface="Wingdings"/>
+              </a:rPr>
+              <a:t>@if</a:t>
+            </a:r>
+            <a:r>
+              <a:rPr lang="zh-CN" altLang="en-US" dirty="0" smtClean="0">
+                <a:ln/>
+                <a:solidFill>
+                  <a:schemeClr val="accent3">
+                    <a:lumMod val="50000"/>
+                  </a:schemeClr>
+                </a:solidFill>
+                <a:latin typeface="微软雅黑" panose="020B0503020204020204" pitchFamily="34" charset="-122"/>
+                <a:ea typeface="微软雅黑" panose="020B0503020204020204" pitchFamily="34" charset="-122"/>
+                <a:sym typeface="Wingdings"/>
+              </a:rPr>
+              <a:t>或</a:t>
+            </a:r>
+            <a:r>
+              <a:rPr lang="en-US" altLang="zh-CN" dirty="0" smtClean="0">
+                <a:ln/>
+                <a:solidFill>
+                  <a:schemeClr val="accent3">
+                    <a:lumMod val="50000"/>
+                  </a:schemeClr>
+                </a:solidFill>
+                <a:latin typeface="微软雅黑" panose="020B0503020204020204" pitchFamily="34" charset="-122"/>
+                <a:ea typeface="微软雅黑" panose="020B0503020204020204" pitchFamily="34" charset="-122"/>
+                <a:sym typeface="Wingdings"/>
+              </a:rPr>
+              <a:t>@if-</a:t>
+            </a:r>
+            <a:r>
+              <a:rPr lang="en-US" altLang="zh-CN" dirty="0" err="1" smtClean="0">
+                <a:ln/>
+                <a:solidFill>
+                  <a:schemeClr val="accent3">
+                    <a:lumMod val="50000"/>
+                  </a:schemeClr>
+                </a:solidFill>
+                <a:latin typeface="微软雅黑" panose="020B0503020204020204" pitchFamily="34" charset="-122"/>
+                <a:ea typeface="微软雅黑" panose="020B0503020204020204" pitchFamily="34" charset="-122"/>
+                <a:sym typeface="Wingdings"/>
+              </a:rPr>
+              <a:t>eles</a:t>
+            </a:r>
+            <a:r>
+              <a:rPr lang="zh-CN" altLang="en-US" dirty="0" smtClean="0">
+                <a:ln/>
+                <a:solidFill>
+                  <a:schemeClr val="accent3">
+                    <a:lumMod val="50000"/>
+                  </a:schemeClr>
+                </a:solidFill>
+                <a:latin typeface="微软雅黑" panose="020B0503020204020204" pitchFamily="34" charset="-122"/>
+                <a:ea typeface="微软雅黑" panose="020B0503020204020204" pitchFamily="34" charset="-122"/>
+                <a:sym typeface="Wingdings"/>
+              </a:rPr>
+              <a:t>或</a:t>
+            </a:r>
+            <a:r>
+              <a:rPr lang="en-US" altLang="zh-CN" dirty="0" smtClean="0">
+                <a:ln/>
+                <a:solidFill>
+                  <a:schemeClr val="accent3">
+                    <a:lumMod val="50000"/>
+                  </a:schemeClr>
+                </a:solidFill>
+                <a:latin typeface="微软雅黑" panose="020B0503020204020204" pitchFamily="34" charset="-122"/>
+                <a:ea typeface="微软雅黑" panose="020B0503020204020204" pitchFamily="34" charset="-122"/>
+                <a:sym typeface="Wingdings"/>
+              </a:rPr>
+              <a:t>@if-else</a:t>
+            </a:r>
+            <a:r>
+              <a:rPr lang="zh-CN" altLang="en-US" dirty="0" smtClean="0">
+                <a:ln/>
+                <a:solidFill>
+                  <a:schemeClr val="accent3">
+                    <a:lumMod val="50000"/>
+                  </a:schemeClr>
+                </a:solidFill>
+                <a:latin typeface="微软雅黑" panose="020B0503020204020204" pitchFamily="34" charset="-122"/>
+                <a:ea typeface="微软雅黑" panose="020B0503020204020204" pitchFamily="34" charset="-122"/>
+                <a:sym typeface="Wingdings"/>
+              </a:rPr>
+              <a:t> </a:t>
+            </a:r>
+            <a:r>
+              <a:rPr lang="en-US" altLang="zh-CN" dirty="0" smtClean="0">
+                <a:ln/>
+                <a:solidFill>
+                  <a:schemeClr val="accent3">
+                    <a:lumMod val="50000"/>
+                  </a:schemeClr>
+                </a:solidFill>
+                <a:latin typeface="微软雅黑" panose="020B0503020204020204" pitchFamily="34" charset="-122"/>
+                <a:ea typeface="微软雅黑" panose="020B0503020204020204" pitchFamily="34" charset="-122"/>
+                <a:sym typeface="Wingdings"/>
+              </a:rPr>
+              <a:t>in</a:t>
+            </a:r>
+            <a:r>
+              <a:rPr lang="zh-CN" altLang="en-US" dirty="0" smtClean="0">
+                <a:ln/>
+                <a:solidFill>
+                  <a:schemeClr val="accent3">
+                    <a:lumMod val="50000"/>
+                  </a:schemeClr>
+                </a:solidFill>
+                <a:latin typeface="微软雅黑" panose="020B0503020204020204" pitchFamily="34" charset="-122"/>
+                <a:ea typeface="微软雅黑" panose="020B0503020204020204" pitchFamily="34" charset="-122"/>
+                <a:sym typeface="Wingdings"/>
+              </a:rPr>
+              <a:t>来进行条件的判断</a:t>
+            </a:r>
+            <a:endParaRPr kumimoji="1" lang="zh-CN" altLang="en-US" dirty="0">
+              <a:solidFill>
+                <a:schemeClr val="accent3">
+                  <a:lumMod val="50000"/>
+                </a:schemeClr>
+              </a:solidFill>
+            </a:endParaRPr>
+          </a:p>
+        </p:txBody>
+      </p:sp>
+      <p:pic>
+        <p:nvPicPr>
+          <p:cNvPr id="5" name="图片 4"/>
+          <p:cNvPicPr>
+            <a:picLocks noChangeAspect="1"/>
+          </p:cNvPicPr>
+          <p:nvPr/>
+        </p:nvPicPr>
+        <p:blipFill>
+          <a:blip r:embed="rId2"/>
+          <a:stretch>
+            <a:fillRect/>
+          </a:stretch>
+        </p:blipFill>
+        <p:spPr>
+          <a:xfrm>
+            <a:off x="459296" y="1699972"/>
+            <a:ext cx="3801986" cy="2754915"/>
+          </a:xfrm>
+          <a:prstGeom prst="rect">
+            <a:avLst/>
+          </a:prstGeom>
+        </p:spPr>
+      </p:pic>
     </p:spTree>
   </p:cSld>
   <p:clrMapOvr>
     <a:masterClrMapping/>
   </p:clrMapOvr>
   <p:transition/>
+  <p:timing>
+    <p:tnLst>
+      <p:par>
+        <p:cTn id="1" dur="indefinite" restart="never" nodeType="tmRoot"/>
+      </p:par>
+    </p:tnLst>
+  </p:timing>
 </p:sld>
 </file>
 
@@ -10384,31 +11292,14 @@
         <p:cNvGrpSpPr/>
         <p:nvPr/>
       </p:nvGrpSpPr>
-      <p:grpSpPr/>
-      <p:pic>
-        <p:nvPicPr>
-          <p:cNvPr id="12" name="图片 12" descr="fc9abd09c9720b07a0666ad1f7b4dd7"/>
-          <p:cNvPicPr>
-            <a:picLocks noChangeAspect="1"/>
-          </p:cNvPicPr>
-          <p:nvPr/>
-        </p:nvPicPr>
-        <p:blipFill>
-          <a:blip r:embed="rId1"/>
-          <a:stretch>
-            <a:fillRect/>
-          </a:stretch>
-        </p:blipFill>
-        <p:spPr>
-          <a:xfrm>
-            <a:off x="60325" y="1149350"/>
-            <a:ext cx="6721475" cy="2837815"/>
-          </a:xfrm>
-          <a:prstGeom prst="rect">
-            <a:avLst/>
-          </a:prstGeom>
-        </p:spPr>
-      </p:pic>
+      <p:grpSpPr>
+        <a:xfrm>
+          <a:off x="0" y="0"/>
+          <a:ext cx="0" cy="0"/>
+          <a:chOff x="0" y="0"/>
+          <a:chExt cx="0" cy="0"/>
+        </a:xfrm>
+      </p:grpSpPr>
       <p:sp>
         <p:nvSpPr>
           <p:cNvPr id="4" name="标题 1"/>
@@ -10612,16 +11503,219 @@
               <a:rPr lang="zh-CN" altLang="en-US"/>
               <a:t>循环语句</a:t>
             </a:r>
-            <a:endParaRPr lang="zh-CN" altLang="en-US"/>
           </a:p>
         </p:txBody>
       </p:sp>
+      <p:sp>
+        <p:nvSpPr>
+          <p:cNvPr id="2" name="矩形 1"/>
+          <p:cNvSpPr/>
+          <p:nvPr/>
+        </p:nvSpPr>
+        <p:spPr>
+          <a:xfrm>
+            <a:off x="281667" y="838265"/>
+            <a:ext cx="6203974" cy="646331"/>
+          </a:xfrm>
+          <a:prstGeom prst="rect">
+            <a:avLst/>
+          </a:prstGeom>
+        </p:spPr>
+        <p:txBody>
+          <a:bodyPr wrap="square">
+            <a:spAutoFit/>
+          </a:bodyPr>
+          <a:lstStyle/>
+          <a:p>
+            <a:r>
+              <a:rPr lang="zh-CN" altLang="en-US" dirty="0">
+                <a:ln/>
+                <a:solidFill>
+                  <a:schemeClr val="accent1"/>
+                </a:solidFill>
+                <a:latin typeface="微软雅黑" panose="020B0503020204020204" pitchFamily="34" charset="-122"/>
+                <a:ea typeface="微软雅黑" panose="020B0503020204020204" pitchFamily="34" charset="-122"/>
+                <a:sym typeface="Wingdings"/>
+              </a:rPr>
+              <a:t>条件语句</a:t>
+            </a:r>
+            <a:r>
+              <a:rPr lang="en-US" altLang="zh-CN" dirty="0" smtClean="0">
+                <a:ln/>
+                <a:solidFill>
+                  <a:schemeClr val="accent1"/>
+                </a:solidFill>
+                <a:latin typeface="微软雅黑" panose="020B0503020204020204" pitchFamily="34" charset="-122"/>
+                <a:ea typeface="微软雅黑" panose="020B0503020204020204" pitchFamily="34" charset="-122"/>
+                <a:sym typeface="Wingdings"/>
+              </a:rPr>
+              <a:t>: </a:t>
+            </a:r>
+            <a:r>
+              <a:rPr lang="zh-CN" altLang="en-US" dirty="0" smtClean="0">
+                <a:ln/>
+                <a:solidFill>
+                  <a:schemeClr val="accent3">
+                    <a:lumMod val="50000"/>
+                  </a:schemeClr>
+                </a:solidFill>
+                <a:latin typeface="微软雅黑" panose="020B0503020204020204" pitchFamily="34" charset="-122"/>
+                <a:ea typeface="微软雅黑" panose="020B0503020204020204" pitchFamily="34" charset="-122"/>
+                <a:sym typeface="Wingdings"/>
+              </a:rPr>
+              <a:t>在</a:t>
+            </a:r>
+            <a:r>
+              <a:rPr lang="en-US" altLang="zh-CN" dirty="0" smtClean="0">
+                <a:ln/>
+                <a:solidFill>
+                  <a:schemeClr val="accent3">
+                    <a:lumMod val="50000"/>
+                  </a:schemeClr>
+                </a:solidFill>
+                <a:latin typeface="微软雅黑" panose="020B0503020204020204" pitchFamily="34" charset="-122"/>
+                <a:ea typeface="微软雅黑" panose="020B0503020204020204" pitchFamily="34" charset="-122"/>
+                <a:sym typeface="Wingdings"/>
+              </a:rPr>
+              <a:t>SASS</a:t>
+            </a:r>
+            <a:r>
+              <a:rPr lang="zh-CN" altLang="en-US" dirty="0" smtClean="0">
+                <a:ln/>
+                <a:solidFill>
+                  <a:schemeClr val="accent3">
+                    <a:lumMod val="50000"/>
+                  </a:schemeClr>
+                </a:solidFill>
+                <a:latin typeface="微软雅黑" panose="020B0503020204020204" pitchFamily="34" charset="-122"/>
+                <a:ea typeface="微软雅黑" panose="020B0503020204020204" pitchFamily="34" charset="-122"/>
+                <a:sym typeface="Wingdings"/>
+              </a:rPr>
+              <a:t>中，可以使用</a:t>
+            </a:r>
+            <a:r>
+              <a:rPr lang="en-US" altLang="zh-CN" dirty="0" smtClean="0">
+                <a:ln/>
+                <a:solidFill>
+                  <a:schemeClr val="accent3">
+                    <a:lumMod val="50000"/>
+                  </a:schemeClr>
+                </a:solidFill>
+                <a:latin typeface="微软雅黑" panose="020B0503020204020204" pitchFamily="34" charset="-122"/>
+                <a:ea typeface="微软雅黑" panose="020B0503020204020204" pitchFamily="34" charset="-122"/>
+                <a:sym typeface="Wingdings"/>
+              </a:rPr>
+              <a:t>@for, @while, @each</a:t>
+            </a:r>
+            <a:r>
+              <a:rPr lang="zh-CN" altLang="en-US" dirty="0" smtClean="0">
+                <a:ln/>
+                <a:solidFill>
+                  <a:schemeClr val="accent3">
+                    <a:lumMod val="50000"/>
+                  </a:schemeClr>
+                </a:solidFill>
+                <a:latin typeface="微软雅黑" panose="020B0503020204020204" pitchFamily="34" charset="-122"/>
+                <a:ea typeface="微软雅黑" panose="020B0503020204020204" pitchFamily="34" charset="-122"/>
+                <a:sym typeface="Wingdings"/>
+              </a:rPr>
+              <a:t>来进行循环的操作</a:t>
+            </a:r>
+            <a:endParaRPr kumimoji="1" lang="zh-CN" altLang="en-US" dirty="0">
+              <a:solidFill>
+                <a:schemeClr val="accent3">
+                  <a:lumMod val="50000"/>
+                </a:schemeClr>
+              </a:solidFill>
+            </a:endParaRPr>
+          </a:p>
+        </p:txBody>
+      </p:sp>
+      <p:pic>
+        <p:nvPicPr>
+          <p:cNvPr id="3" name="图片 2"/>
+          <p:cNvPicPr>
+            <a:picLocks noChangeAspect="1"/>
+          </p:cNvPicPr>
+          <p:nvPr/>
+        </p:nvPicPr>
+        <p:blipFill>
+          <a:blip r:embed="rId2"/>
+          <a:stretch>
+            <a:fillRect/>
+          </a:stretch>
+        </p:blipFill>
+        <p:spPr>
+          <a:xfrm>
+            <a:off x="281667" y="1939304"/>
+            <a:ext cx="1816015" cy="1765430"/>
+          </a:xfrm>
+          <a:prstGeom prst="rect">
+            <a:avLst/>
+          </a:prstGeom>
+        </p:spPr>
+      </p:pic>
+      <p:pic>
+        <p:nvPicPr>
+          <p:cNvPr id="5" name="图片 4"/>
+          <p:cNvPicPr>
+            <a:picLocks noChangeAspect="1"/>
+          </p:cNvPicPr>
+          <p:nvPr/>
+        </p:nvPicPr>
+        <p:blipFill>
+          <a:blip r:embed="rId3"/>
+          <a:stretch>
+            <a:fillRect/>
+          </a:stretch>
+        </p:blipFill>
+        <p:spPr>
+          <a:xfrm>
+            <a:off x="2290542" y="1964100"/>
+            <a:ext cx="1845491" cy="1740634"/>
+          </a:xfrm>
+          <a:prstGeom prst="rect">
+            <a:avLst/>
+          </a:prstGeom>
+        </p:spPr>
+      </p:pic>
+      <p:pic>
+        <p:nvPicPr>
+          <p:cNvPr id="6" name="图片 5"/>
+          <p:cNvPicPr>
+            <a:picLocks noChangeAspect="1"/>
+          </p:cNvPicPr>
+          <p:nvPr/>
+        </p:nvPicPr>
+        <p:blipFill>
+          <a:blip r:embed="rId4"/>
+          <a:stretch>
+            <a:fillRect/>
+          </a:stretch>
+        </p:blipFill>
+        <p:spPr>
+          <a:xfrm>
+            <a:off x="4279438" y="1964100"/>
+            <a:ext cx="2206203" cy="1733907"/>
+          </a:xfrm>
+          <a:prstGeom prst="rect">
+            <a:avLst/>
+          </a:prstGeom>
+        </p:spPr>
+      </p:pic>
     </p:spTree>
   </p:cSld>
   <p:clrMapOvr>
     <a:masterClrMapping/>
   </p:clrMapOvr>
   <p:transition/>
+  <p:timing>
+    <p:tnLst>
+      <p:par>
+        <p:cTn id="1" dur="indefinite" restart="never" nodeType="tmRoot"/>
+      </p:par>
+    </p:tnLst>
+  </p:timing>
 </p:sld>
 </file>
 
@@ -10634,32 +11728,14 @@
         <p:cNvGrpSpPr/>
         <p:nvPr/>
       </p:nvGrpSpPr>
-      <p:grpSpPr/>
-      <p:pic>
-        <p:nvPicPr>
-          <p:cNvPr id="13" name="图片 13" descr="9ffd198b4c2a335c4f1328ccddd1f22"/>
-          <p:cNvPicPr>
-            <a:picLocks noChangeAspect="1"/>
-          </p:cNvPicPr>
-          <p:nvPr/>
-        </p:nvPicPr>
-        <p:blipFill>
-          <a:blip r:embed="rId1"/>
-          <a:srcRect l="1806" t="22132" r="6081" b="7491"/>
-          <a:stretch>
-            <a:fillRect/>
-          </a:stretch>
-        </p:blipFill>
-        <p:spPr>
-          <a:xfrm>
-            <a:off x="11430" y="1141730"/>
-            <a:ext cx="6674485" cy="2344420"/>
-          </a:xfrm>
-          <a:prstGeom prst="rect">
-            <a:avLst/>
-          </a:prstGeom>
-        </p:spPr>
-      </p:pic>
+      <p:grpSpPr>
+        <a:xfrm>
+          <a:off x="0" y="0"/>
+          <a:ext cx="0" cy="0"/>
+          <a:chOff x="0" y="0"/>
+          <a:chExt cx="0" cy="0"/>
+        </a:xfrm>
+      </p:grpSpPr>
       <p:sp>
         <p:nvSpPr>
           <p:cNvPr id="4" name="标题 1"/>
@@ -10863,16 +11939,185 @@
               <a:rPr lang="zh-CN" altLang="en-US"/>
               <a:t>自定义函数</a:t>
             </a:r>
-            <a:endParaRPr lang="zh-CN" altLang="en-US"/>
           </a:p>
         </p:txBody>
       </p:sp>
+      <p:sp>
+        <p:nvSpPr>
+          <p:cNvPr id="2" name="矩形 1"/>
+          <p:cNvSpPr/>
+          <p:nvPr/>
+        </p:nvSpPr>
+        <p:spPr>
+          <a:xfrm>
+            <a:off x="209490" y="1026002"/>
+            <a:ext cx="6464995" cy="646331"/>
+          </a:xfrm>
+          <a:prstGeom prst="rect">
+            <a:avLst/>
+          </a:prstGeom>
+        </p:spPr>
+        <p:txBody>
+          <a:bodyPr wrap="square">
+            <a:spAutoFit/>
+          </a:bodyPr>
+          <a:lstStyle/>
+          <a:p>
+            <a:r>
+              <a:rPr lang="zh-CN" altLang="en-US" dirty="0" smtClean="0">
+                <a:ln/>
+                <a:solidFill>
+                  <a:schemeClr val="accent1"/>
+                </a:solidFill>
+                <a:latin typeface="微软雅黑" panose="020B0503020204020204" pitchFamily="34" charset="-122"/>
+                <a:ea typeface="微软雅黑" panose="020B0503020204020204" pitchFamily="34" charset="-122"/>
+                <a:sym typeface="Wingdings"/>
+              </a:rPr>
+              <a:t>函数语句</a:t>
+            </a:r>
+            <a:r>
+              <a:rPr lang="en-US" altLang="zh-CN" dirty="0" smtClean="0">
+                <a:ln/>
+                <a:solidFill>
+                  <a:schemeClr val="accent1"/>
+                </a:solidFill>
+                <a:latin typeface="微软雅黑" panose="020B0503020204020204" pitchFamily="34" charset="-122"/>
+                <a:ea typeface="微软雅黑" panose="020B0503020204020204" pitchFamily="34" charset="-122"/>
+                <a:sym typeface="Wingdings"/>
+              </a:rPr>
+              <a:t>: </a:t>
+            </a:r>
+            <a:r>
+              <a:rPr lang="zh-CN" altLang="en-US" dirty="0">
+                <a:ln/>
+                <a:solidFill>
+                  <a:schemeClr val="accent3">
+                    <a:lumMod val="50000"/>
+                  </a:schemeClr>
+                </a:solidFill>
+                <a:latin typeface="微软雅黑" panose="020B0503020204020204" pitchFamily="34" charset="-122"/>
+                <a:ea typeface="微软雅黑" panose="020B0503020204020204" pitchFamily="34" charset="-122"/>
+                <a:sym typeface="Wingdings"/>
+              </a:rPr>
+              <a:t>在</a:t>
+            </a:r>
+            <a:r>
+              <a:rPr lang="en-US" altLang="zh-CN" dirty="0">
+                <a:ln/>
+                <a:solidFill>
+                  <a:schemeClr val="accent3">
+                    <a:lumMod val="50000"/>
+                  </a:schemeClr>
+                </a:solidFill>
+                <a:latin typeface="微软雅黑" panose="020B0503020204020204" pitchFamily="34" charset="-122"/>
+                <a:ea typeface="微软雅黑" panose="020B0503020204020204" pitchFamily="34" charset="-122"/>
+                <a:sym typeface="Wingdings"/>
+              </a:rPr>
+              <a:t>SASS</a:t>
+            </a:r>
+            <a:r>
+              <a:rPr lang="zh-CN" altLang="en-US" dirty="0">
+                <a:ln/>
+                <a:solidFill>
+                  <a:schemeClr val="accent3">
+                    <a:lumMod val="50000"/>
+                  </a:schemeClr>
+                </a:solidFill>
+                <a:latin typeface="微软雅黑" panose="020B0503020204020204" pitchFamily="34" charset="-122"/>
+                <a:ea typeface="微软雅黑" panose="020B0503020204020204" pitchFamily="34" charset="-122"/>
+                <a:sym typeface="Wingdings"/>
+              </a:rPr>
+              <a:t>中，</a:t>
+            </a:r>
+            <a:r>
+              <a:rPr lang="zh-CN" altLang="en-US" dirty="0" smtClean="0">
+                <a:ln/>
+                <a:solidFill>
+                  <a:schemeClr val="accent3">
+                    <a:lumMod val="50000"/>
+                  </a:schemeClr>
+                </a:solidFill>
+                <a:latin typeface="微软雅黑" panose="020B0503020204020204" pitchFamily="34" charset="-122"/>
+                <a:ea typeface="微软雅黑" panose="020B0503020204020204" pitchFamily="34" charset="-122"/>
+                <a:sym typeface="Wingdings"/>
+              </a:rPr>
+              <a:t>可以允许用户使用</a:t>
+            </a:r>
+            <a:r>
+              <a:rPr lang="en-US" altLang="zh-CN" dirty="0" smtClean="0">
+                <a:ln/>
+                <a:solidFill>
+                  <a:schemeClr val="accent3">
+                    <a:lumMod val="50000"/>
+                  </a:schemeClr>
+                </a:solidFill>
+                <a:latin typeface="微软雅黑" panose="020B0503020204020204" pitchFamily="34" charset="-122"/>
+                <a:ea typeface="微软雅黑" panose="020B0503020204020204" pitchFamily="34" charset="-122"/>
+                <a:sym typeface="Wingdings"/>
+              </a:rPr>
+              <a:t>@function </a:t>
+            </a:r>
+            <a:r>
+              <a:rPr lang="zh-CN" altLang="en-US" dirty="0" smtClean="0">
+                <a:ln/>
+                <a:solidFill>
+                  <a:schemeClr val="accent3">
+                    <a:lumMod val="50000"/>
+                  </a:schemeClr>
+                </a:solidFill>
+                <a:latin typeface="微软雅黑" panose="020B0503020204020204" pitchFamily="34" charset="-122"/>
+                <a:ea typeface="微软雅黑" panose="020B0503020204020204" pitchFamily="34" charset="-122"/>
+                <a:sym typeface="Wingdings"/>
+              </a:rPr>
+              <a:t>命令去编写自己的函数</a:t>
+            </a:r>
+            <a:endParaRPr kumimoji="1" lang="zh-CN" altLang="en-US" dirty="0">
+              <a:solidFill>
+                <a:schemeClr val="accent3">
+                  <a:lumMod val="50000"/>
+                </a:schemeClr>
+              </a:solidFill>
+            </a:endParaRPr>
+          </a:p>
+        </p:txBody>
+      </p:sp>
+      <p:pic>
+        <p:nvPicPr>
+          <p:cNvPr id="3" name="图片 2"/>
+          <p:cNvPicPr>
+            <a:picLocks noChangeAspect="1"/>
+          </p:cNvPicPr>
+          <p:nvPr/>
+        </p:nvPicPr>
+        <p:blipFill>
+          <a:blip r:embed="rId2"/>
+          <a:stretch>
+            <a:fillRect/>
+          </a:stretch>
+        </p:blipFill>
+        <p:spPr>
+          <a:xfrm>
+            <a:off x="329936" y="1748195"/>
+            <a:ext cx="4612915" cy="2651604"/>
+          </a:xfrm>
+          <a:prstGeom prst="rect">
+            <a:avLst/>
+          </a:prstGeom>
+        </p:spPr>
+      </p:pic>
     </p:spTree>
   </p:cSld>
   <p:clrMapOvr>
     <a:masterClrMapping/>
   </p:clrMapOvr>
   <p:transition/>
+  <p:timing>
+    <p:tnLst>
+      <p:par>
+        <p:cTn id="1" dur="indefinite" restart="never" nodeType="tmRoot"/>
+      </p:par>
+    </p:tnLst>
+  </p:timing>
 </p:sld>
 </file>
 
@@ -11001,7 +12246,7 @@
         </p:spPr>
         <p:txBody>
           <a:bodyPr>
-            <a:normAutofit fontScale="90000"/>
+            <a:normAutofit fontScale="90000" lnSpcReduction="10000"/>
           </a:bodyPr>
           <a:lstStyle/>
           <a:p>
@@ -11018,7 +12263,6 @@
               <a:rPr lang="zh-CN" altLang="zh-CN" dirty="0"/>
               <a:t>以前，网页开发有一个原则，叫做"关注点分离"，它的意思是，各种技术只负责自己的领域，不要混合在一起，形成耦合。对于网页开发来说，主要是三种技术分离：</a:t>
             </a:r>
-            <a:endParaRPr lang="zh-CN" altLang="zh-CN" dirty="0"/>
           </a:p>
           <a:p>
             <a:pPr>
@@ -11089,7 +12333,6 @@
               <a:rPr lang="zh-CN" altLang="zh-CN" dirty="0"/>
               <a:t>HTML 语言：负责网页的结构，又称语义层</a:t>
             </a:r>
-            <a:endParaRPr lang="zh-CN" altLang="zh-CN" dirty="0"/>
           </a:p>
           <a:p>
             <a:pPr>
@@ -11104,7 +12347,6 @@
               <a:rPr lang="zh-CN" altLang="zh-CN" dirty="0"/>
               <a:t>CSS 语言：负责网页的样式，又称视觉层</a:t>
             </a:r>
-            <a:endParaRPr lang="zh-CN" altLang="zh-CN" dirty="0"/>
           </a:p>
           <a:p>
             <a:pPr>
@@ -11119,7 +12361,6 @@
               <a:rPr lang="zh-CN" altLang="zh-CN" dirty="0"/>
               <a:t>JavaScript 语言：负责网页的逻辑和交互，又称逻辑层或交互层</a:t>
             </a:r>
-            <a:endParaRPr lang="zh-CN" altLang="zh-CN" dirty="0"/>
           </a:p>
         </p:txBody>
       </p:sp>
@@ -11132,7 +12373,7 @@
           <p:nvPr/>
         </p:nvPicPr>
         <p:blipFill>
-          <a:blip r:embed="rId1"/>
+          <a:blip r:embed="rId2"/>
           <a:stretch>
             <a:fillRect/>
           </a:stretch>
@@ -11153,6 +12394,13 @@
     <a:masterClrMapping/>
   </p:clrMapOvr>
   <p:transition/>
+  <p:timing>
+    <p:tnLst>
+      <p:par>
+        <p:cTn id="1" dur="indefinite" restart="never" nodeType="tmRoot"/>
+      </p:par>
+    </p:tnLst>
+  </p:timing>
 </p:sld>
 </file>
 
@@ -11234,7 +12482,6 @@
               <a:rPr lang="zh-CN" altLang="en-US" dirty="0" smtClean="0"/>
               <a:t>的安装和应用</a:t>
             </a:r>
-            <a:endParaRPr lang="zh-CN" altLang="en-US" dirty="0" smtClean="0"/>
           </a:p>
           <a:p>
             <a:endParaRPr lang="zh-CN" altLang="en-US" dirty="0" smtClean="0"/>
@@ -11266,7 +12513,6 @@
               <a:rPr dirty="0"/>
               <a:t>的简介</a:t>
             </a:r>
-            <a:endParaRPr dirty="0"/>
           </a:p>
         </p:txBody>
       </p:sp>
@@ -11293,7 +12539,6 @@
               <a:rPr dirty="0"/>
               <a:t>的发展趋势</a:t>
             </a:r>
-            <a:endParaRPr dirty="0"/>
           </a:p>
         </p:txBody>
       </p:sp>
@@ -11303,6 +12548,13 @@
     <a:masterClrMapping/>
   </p:clrMapOvr>
   <p:transition/>
+  <p:timing>
+    <p:tnLst>
+      <p:par>
+        <p:cTn id="1" dur="indefinite" restart="never" nodeType="tmRoot"/>
+      </p:par>
+    </p:tnLst>
+  </p:timing>
 </p:sld>
 </file>
 
@@ -11343,6 +12595,7 @@
           <a:bodyPr wrap="square" rtlCol="0">
             <a:spAutoFit/>
           </a:bodyPr>
+          <a:lstStyle/>
           <a:p>
             <a:pPr eaLnBrk="1" latinLnBrk="0" hangingPunct="1">
               <a:lnSpc>
@@ -11381,16 +12634,6 @@
               </a:rPr>
               <a:t>随着历史的发展，这个原则不再适用了。因为前端组件化越来越明显，强制要求把 HTML、CSS、JavaScript 写在一起。</a:t>
             </a:r>
-            <a:endParaRPr lang="zh-CN" altLang="zh-CN" sz="1200" dirty="0">
-              <a:solidFill>
-                <a:schemeClr val="accent3">
-                  <a:lumMod val="50000"/>
-                </a:schemeClr>
-              </a:solidFill>
-              <a:latin typeface="微软雅黑" panose="020B0503020204020204" pitchFamily="34" charset="-122"/>
-              <a:ea typeface="微软雅黑" panose="020B0503020204020204" pitchFamily="34" charset="-122"/>
-              <a:cs typeface="微软雅黑" panose="020B0503020204020204" pitchFamily="34" charset="-122"/>
-            </a:endParaRPr>
           </a:p>
         </p:txBody>
       </p:sp>
@@ -11403,7 +12646,7 @@
           <p:nvPr/>
         </p:nvPicPr>
         <p:blipFill>
-          <a:blip r:embed="rId1"/>
+          <a:blip r:embed="rId2"/>
           <a:stretch>
             <a:fillRect/>
           </a:stretch>
@@ -11436,6 +12679,7 @@
         </p:spPr>
         <p:txBody>
           <a:bodyPr/>
+          <a:lstStyle/>
           <a:p>
             <a:r>
               <a:rPr altLang="zh-CN" dirty="0"/>
@@ -11445,7 +12689,6 @@
               <a:rPr lang="zh-CN" altLang="en-US" dirty="0"/>
               <a:t>的简介</a:t>
             </a:r>
-            <a:endParaRPr lang="zh-CN" altLang="en-US" dirty="0"/>
           </a:p>
         </p:txBody>
       </p:sp>
@@ -11499,7 +12742,9 @@
       <p:sp>
         <p:nvSpPr>
           <p:cNvPr id="5" name="副标题 4"/>
-          <p:cNvSpPr/>
+          <p:cNvSpPr>
+            <a:spLocks noGrp="1"/>
+          </p:cNvSpPr>
           <p:nvPr>
             <p:ph type="subTitle" idx="1"/>
           </p:nvPr>
@@ -11507,6 +12752,7 @@
         <p:spPr/>
         <p:txBody>
           <a:bodyPr/>
+          <a:lstStyle/>
           <a:p>
             <a:endParaRPr lang="zh-CN" altLang="en-US"/>
           </a:p>
@@ -11594,7 +12840,6 @@
               <a:rPr dirty="0"/>
               <a:t>的简介</a:t>
             </a:r>
-            <a:endParaRPr dirty="0"/>
           </a:p>
           <a:p>
             <a:endParaRPr lang="zh-CN" altLang="en-US" dirty="0"/>
@@ -11610,6 +12855,13 @@
     <a:masterClrMapping/>
   </p:clrMapOvr>
   <p:transition/>
+  <p:timing>
+    <p:tnLst>
+      <p:par>
+        <p:cTn id="1" dur="indefinite" restart="never" nodeType="tmRoot"/>
+      </p:par>
+    </p:tnLst>
+  </p:timing>
 </p:sld>
 </file>
 
@@ -11666,32 +12918,34 @@
       <p:sp>
         <p:nvSpPr>
           <p:cNvPr id="5" name="副标题 4"/>
-          <p:cNvSpPr/>
+          <p:cNvSpPr>
+            <a:spLocks noGrp="1"/>
+          </p:cNvSpPr>
           <p:nvPr>
             <p:ph type="subTitle" idx="1"/>
           </p:nvPr>
         </p:nvSpPr>
         <p:spPr>
           <a:xfrm>
-            <a:off x="225425" y="656590"/>
-            <a:ext cx="6289675" cy="438150"/>
+            <a:off x="423388" y="656737"/>
+            <a:ext cx="6289675" cy="575987"/>
           </a:xfrm>
         </p:spPr>
         <p:txBody>
           <a:bodyPr>
-            <a:normAutofit fontScale="70000"/>
+            <a:normAutofit/>
           </a:bodyPr>
+          <a:lstStyle/>
           <a:p>
             <a:pPr>
               <a:lnSpc>
-                <a:spcPct val="120000"/>
+                <a:spcPct val="110000"/>
               </a:lnSpc>
             </a:pPr>
             <a:r>
-              <a:rPr lang="zh-CN" altLang="en-US"/>
+              <a:rPr lang="zh-CN" altLang="en-US" dirty="0"/>
               <a:t>Sass（英文全称：Syntactically Awesome Stylesheets）在语法上很棒的样式表，Sass是一个将脚本解析成CSS的脚本语言，即SassScript。</a:t>
             </a:r>
-            <a:endParaRPr lang="zh-CN" altLang="en-US"/>
           </a:p>
         </p:txBody>
       </p:sp>
@@ -11704,15 +12958,15 @@
           <p:nvPr/>
         </p:nvPicPr>
         <p:blipFill>
-          <a:blip r:embed="rId1"/>
+          <a:blip r:embed="rId2"/>
           <a:stretch>
             <a:fillRect/>
           </a:stretch>
         </p:blipFill>
         <p:spPr>
           <a:xfrm>
-            <a:off x="247650" y="1129030"/>
-            <a:ext cx="6267450" cy="2885440"/>
+            <a:off x="792350" y="1374127"/>
+            <a:ext cx="5178050" cy="2383896"/>
           </a:xfrm>
           <a:prstGeom prst="rect">
             <a:avLst/>
@@ -11728,7 +12982,7 @@
         <p:spPr>
           <a:xfrm>
             <a:off x="247650" y="4054475"/>
-            <a:ext cx="6267450" cy="460375"/>
+            <a:ext cx="6267450" cy="611258"/>
           </a:xfrm>
           <a:prstGeom prst="rect">
             <a:avLst/>
@@ -11739,10 +12993,15 @@
           <a:bodyPr wrap="square" rtlCol="0" anchor="t">
             <a:spAutoFit/>
           </a:bodyPr>
-          <a:p>
-            <a:pPr algn="l"/>
-            <a:r>
-              <a:rPr lang="en-US" altLang="zh-CN" sz="1200">
+          <a:lstStyle/>
+          <a:p>
+            <a:pPr algn="l">
+              <a:lnSpc>
+                <a:spcPct val="150000"/>
+              </a:lnSpc>
+            </a:pPr>
+            <a:r>
+              <a:rPr lang="en-US" altLang="zh-CN" sz="1200" dirty="0">
                 <a:solidFill>
                   <a:schemeClr val="accent1"/>
                 </a:solidFill>
@@ -11761,9 +13020,11 @@
               <a:t> </a:t>
             </a:r>
             <a:r>
-              <a:rPr lang="zh-CN" altLang="en-US" sz="1200">
-                <a:solidFill>
-                  <a:schemeClr val="accent1"/>
+              <a:rPr lang="zh-CN" altLang="en-US" sz="1200" dirty="0">
+                <a:solidFill>
+                  <a:schemeClr val="accent3">
+                    <a:lumMod val="50000"/>
+                  </a:schemeClr>
                 </a:solidFill>
                 <a:effectLst>
                   <a:outerShdw blurRad="38100" dist="25400" dir="5400000" algn="ctr" rotWithShape="0">
@@ -11772,14 +13033,23 @@
                     </a:srgbClr>
                   </a:outerShdw>
                 </a:effectLst>
-                <a:latin typeface="新宋体" panose="02010609030101010101" charset="-122"/>
-                <a:ea typeface="新宋体" panose="02010609030101010101" charset="-122"/>
-                <a:cs typeface="新宋体" panose="02010609030101010101" charset="-122"/>
+                <a:latin typeface="Microsoft YaHei" charset="-122"/>
+                <a:ea typeface="Microsoft YaHei" charset="-122"/>
+                <a:cs typeface="Microsoft YaHei" charset="-122"/>
                 <a:sym typeface="+mn-ea"/>
               </a:rPr>
               <a:t>Sass拥有比其他任何CSS扩展语言更多的功能和特性。Sass核心团队不懈努力，一直使其保持领先地位。</a:t>
             </a:r>
-            <a:endParaRPr lang="zh-CN" altLang="en-US" sz="1200"/>
+            <a:endParaRPr lang="zh-CN" altLang="en-US" sz="1200" dirty="0">
+              <a:solidFill>
+                <a:schemeClr val="accent3">
+                  <a:lumMod val="50000"/>
+                </a:schemeClr>
+              </a:solidFill>
+              <a:latin typeface="Microsoft YaHei" charset="-122"/>
+              <a:ea typeface="Microsoft YaHei" charset="-122"/>
+              <a:cs typeface="Microsoft YaHei" charset="-122"/>
+            </a:endParaRPr>
           </a:p>
         </p:txBody>
       </p:sp>
@@ -11789,6 +13059,13 @@
     <a:masterClrMapping/>
   </p:clrMapOvr>
   <p:transition/>
+  <p:timing>
+    <p:tnLst>
+      <p:par>
+        <p:cTn id="1" dur="indefinite" restart="never" nodeType="tmRoot"/>
+      </p:par>
+    </p:tnLst>
+  </p:timing>
 </p:sld>
 </file>
 
@@ -11832,7 +13109,6 @@
               <a:rPr dirty="0"/>
               <a:t>的优势</a:t>
             </a:r>
-            <a:endParaRPr dirty="0"/>
           </a:p>
         </p:txBody>
       </p:sp>
@@ -11892,7 +13168,6 @@
               <a:rPr lang="zh-CN" altLang="en-US" dirty="0"/>
               <a:t>的优势</a:t>
             </a:r>
-            <a:endParaRPr lang="zh-CN" altLang="en-US" dirty="0"/>
           </a:p>
         </p:txBody>
       </p:sp>
@@ -11916,6 +13191,7 @@
           <a:bodyPr wrap="square" rtlCol="0">
             <a:spAutoFit/>
           </a:bodyPr>
+          <a:lstStyle/>
           <a:p>
             <a:pPr eaLnBrk="1" latinLnBrk="0" hangingPunct="1">
               <a:lnSpc>
@@ -11967,16 +13243,6 @@
               </a:rPr>
               <a:t>SASS是一种CSS的开发工具，提供了许多便利的写法，大大节省了设计者的时间，使得CSS的开发，变得简单和可维护。</a:t>
             </a:r>
-            <a:endParaRPr lang="zh-CN" altLang="zh-CN" sz="1200" dirty="0">
-              <a:solidFill>
-                <a:schemeClr val="accent3">
-                  <a:lumMod val="50000"/>
-                </a:schemeClr>
-              </a:solidFill>
-              <a:latin typeface="微软雅黑" panose="020B0503020204020204" pitchFamily="34" charset="-122"/>
-              <a:ea typeface="微软雅黑" panose="020B0503020204020204" pitchFamily="34" charset="-122"/>
-              <a:cs typeface="微软雅黑" panose="020B0503020204020204" pitchFamily="34" charset="-122"/>
-            </a:endParaRPr>
           </a:p>
           <a:p>
             <a:pPr eaLnBrk="1" latinLnBrk="0" hangingPunct="1">
@@ -12115,7 +13381,7 @@
           <p:nvPr/>
         </p:nvPicPr>
         <p:blipFill>
-          <a:blip r:embed="rId1"/>
+          <a:blip r:embed="rId2"/>
           <a:stretch>
             <a:fillRect/>
           </a:stretch>
@@ -12136,6 +13402,13 @@
     <a:masterClrMapping/>
   </p:clrMapOvr>
   <p:transition/>
+  <p:timing>
+    <p:tnLst>
+      <p:par>
+        <p:cTn id="1" dur="indefinite" restart="never" nodeType="tmRoot"/>
+      </p:par>
+    </p:tnLst>
+  </p:timing>
 </p:sld>
 </file>
 
@@ -12289,8 +13562,8 @@
         </p:nvSpPr>
         <p:spPr>
           <a:xfrm>
-            <a:off x="225425" y="746760"/>
-            <a:ext cx="4170045" cy="3846195"/>
+            <a:off x="225688" y="737883"/>
+            <a:ext cx="4170045" cy="3416320"/>
           </a:xfrm>
           <a:prstGeom prst="rect">
             <a:avLst/>
@@ -12301,6 +13574,7 @@
           <a:bodyPr wrap="square" rtlCol="0">
             <a:spAutoFit/>
           </a:bodyPr>
+          <a:lstStyle/>
           <a:p>
             <a:pPr eaLnBrk="1" latinLnBrk="0" hangingPunct="1">
               <a:lnSpc>
@@ -12339,16 +13613,6 @@
               </a:rPr>
               <a:t>webpack.js中下载</a:t>
             </a:r>
-            <a:endParaRPr lang="zh-CN" altLang="zh-CN" sz="1200" dirty="0">
-              <a:solidFill>
-                <a:schemeClr val="accent3">
-                  <a:lumMod val="50000"/>
-                </a:schemeClr>
-              </a:solidFill>
-              <a:latin typeface="微软雅黑" panose="020B0503020204020204" pitchFamily="34" charset="-122"/>
-              <a:ea typeface="微软雅黑" panose="020B0503020204020204" pitchFamily="34" charset="-122"/>
-              <a:cs typeface="微软雅黑" panose="020B0503020204020204" pitchFamily="34" charset="-122"/>
-            </a:endParaRPr>
           </a:p>
           <a:p>
             <a:pPr lvl="1" eaLnBrk="1" latinLnBrk="0" hangingPunct="1">
@@ -12375,16 +13639,6 @@
               </a:rPr>
               <a:t>npm install node-sass --save-dev</a:t>
             </a:r>
-            <a:endParaRPr lang="zh-CN" altLang="zh-CN" sz="1000" dirty="0">
-              <a:solidFill>
-                <a:schemeClr val="accent3">
-                  <a:lumMod val="50000"/>
-                </a:schemeClr>
-              </a:solidFill>
-              <a:latin typeface="微软雅黑" panose="020B0503020204020204" pitchFamily="34" charset="-122"/>
-              <a:ea typeface="微软雅黑" panose="020B0503020204020204" pitchFamily="34" charset="-122"/>
-              <a:cs typeface="微软雅黑" panose="020B0503020204020204" pitchFamily="34" charset="-122"/>
-            </a:endParaRPr>
           </a:p>
           <a:p>
             <a:pPr lvl="1" eaLnBrk="1" latinLnBrk="0" hangingPunct="1">
@@ -12411,16 +13665,6 @@
               </a:rPr>
               <a:t>npm install sass-loader --save-dev</a:t>
             </a:r>
-            <a:endParaRPr lang="zh-CN" altLang="zh-CN" sz="1000" dirty="0">
-              <a:solidFill>
-                <a:schemeClr val="accent3">
-                  <a:lumMod val="50000"/>
-                </a:schemeClr>
-              </a:solidFill>
-              <a:latin typeface="微软雅黑" panose="020B0503020204020204" pitchFamily="34" charset="-122"/>
-              <a:ea typeface="微软雅黑" panose="020B0503020204020204" pitchFamily="34" charset="-122"/>
-              <a:cs typeface="微软雅黑" panose="020B0503020204020204" pitchFamily="34" charset="-122"/>
-            </a:endParaRPr>
           </a:p>
           <a:p>
             <a:pPr marL="0" lvl="1" eaLnBrk="1" latinLnBrk="0" hangingPunct="1">
@@ -12497,16 +13741,6 @@
               </a:rPr>
               <a:t>build文件中引入</a:t>
             </a:r>
-            <a:endParaRPr lang="zh-CN" altLang="zh-CN" sz="1200" dirty="0">
-              <a:solidFill>
-                <a:schemeClr val="accent3">
-                  <a:lumMod val="50000"/>
-                </a:schemeClr>
-              </a:solidFill>
-              <a:latin typeface="微软雅黑" panose="020B0503020204020204" pitchFamily="34" charset="-122"/>
-              <a:ea typeface="微软雅黑" panose="020B0503020204020204" pitchFamily="34" charset="-122"/>
-              <a:cs typeface="微软雅黑" panose="020B0503020204020204" pitchFamily="34" charset="-122"/>
-            </a:endParaRPr>
           </a:p>
           <a:p>
             <a:pPr lvl="1" eaLnBrk="1" latinLnBrk="0" hangingPunct="1">
@@ -12546,19 +13780,187 @@
             </a:endParaRPr>
           </a:p>
           <a:p>
-            <a:pPr lvl="1" eaLnBrk="1" latinLnBrk="0" hangingPunct="1">
-              <a:lnSpc>
-                <a:spcPct val="80000"/>
-              </a:lnSpc>
-              <a:spcBef>
-                <a:spcPts val="600"/>
-              </a:spcBef>
-              <a:spcAft>
-                <a:spcPts val="600"/>
-              </a:spcAft>
-            </a:pPr>
-            <a:r>
-              <a:rPr lang="zh-CN" altLang="zh-CN" sz="1000" dirty="0">
+            <a:pPr lvl="1"/>
+            <a:r>
+              <a:rPr lang="en-US" altLang="zh-CN" sz="1400" b="1" dirty="0" smtClean="0">
+                <a:solidFill>
+                  <a:schemeClr val="accent3">
+                    <a:lumMod val="75000"/>
+                  </a:schemeClr>
+                </a:solidFill>
+                <a:latin typeface="FangSong" charset="-122"/>
+                <a:ea typeface="FangSong" charset="-122"/>
+                <a:cs typeface="FangSong" charset="-122"/>
+              </a:rPr>
+              <a:t>{</a:t>
+            </a:r>
+          </a:p>
+          <a:p>
+            <a:pPr lvl="2"/>
+            <a:r>
+              <a:rPr lang="en-US" altLang="zh-CN" sz="1400" b="1" dirty="0" smtClean="0">
+                <a:solidFill>
+                  <a:schemeClr val="accent3">
+                    <a:lumMod val="75000"/>
+                  </a:schemeClr>
+                </a:solidFill>
+                <a:latin typeface="FangSong" charset="-122"/>
+                <a:ea typeface="FangSong" charset="-122"/>
+                <a:cs typeface="FangSong" charset="-122"/>
+              </a:rPr>
+              <a:t>test</a:t>
+            </a:r>
+            <a:r>
+              <a:rPr lang="en-US" altLang="zh-CN" sz="1400" b="1" dirty="0">
+                <a:solidFill>
+                  <a:schemeClr val="accent3">
+                    <a:lumMod val="75000"/>
+                  </a:schemeClr>
+                </a:solidFill>
+                <a:latin typeface="FangSong" charset="-122"/>
+                <a:ea typeface="FangSong" charset="-122"/>
+                <a:cs typeface="FangSong" charset="-122"/>
+              </a:rPr>
+              <a:t>:</a:t>
+            </a:r>
+            <a:r>
+              <a:rPr lang="zh-CN" altLang="en-US" sz="1400" b="1" dirty="0">
+                <a:solidFill>
+                  <a:schemeClr val="accent3">
+                    <a:lumMod val="75000"/>
+                  </a:schemeClr>
+                </a:solidFill>
+                <a:latin typeface="FangSong" charset="-122"/>
+                <a:ea typeface="FangSong" charset="-122"/>
+                <a:cs typeface="FangSong" charset="-122"/>
+              </a:rPr>
+              <a:t> </a:t>
+            </a:r>
+            <a:r>
+              <a:rPr lang="en-US" altLang="zh-CN" sz="1400" b="1" dirty="0">
+                <a:solidFill>
+                  <a:schemeClr val="accent3">
+                    <a:lumMod val="75000"/>
+                  </a:schemeClr>
+                </a:solidFill>
+                <a:latin typeface="FangSong" charset="-122"/>
+                <a:ea typeface="FangSong" charset="-122"/>
+                <a:cs typeface="FangSong" charset="-122"/>
+              </a:rPr>
+              <a:t>/\.</a:t>
+            </a:r>
+            <a:r>
+              <a:rPr lang="en-US" altLang="zh-CN" sz="1400" b="1" dirty="0" err="1">
+                <a:solidFill>
+                  <a:schemeClr val="accent3">
+                    <a:lumMod val="75000"/>
+                  </a:schemeClr>
+                </a:solidFill>
+                <a:latin typeface="FangSong" charset="-122"/>
+                <a:ea typeface="FangSong" charset="-122"/>
+                <a:cs typeface="FangSong" charset="-122"/>
+              </a:rPr>
+              <a:t>scss</a:t>
+            </a:r>
+            <a:r>
+              <a:rPr lang="en-US" altLang="zh-CN" sz="1400" b="1" dirty="0">
+                <a:solidFill>
+                  <a:schemeClr val="accent3">
+                    <a:lumMod val="75000"/>
+                  </a:schemeClr>
+                </a:solidFill>
+                <a:latin typeface="FangSong" charset="-122"/>
+                <a:ea typeface="FangSong" charset="-122"/>
+                <a:cs typeface="FangSong" charset="-122"/>
+              </a:rPr>
+              <a:t>$/,</a:t>
+            </a:r>
+          </a:p>
+          <a:p>
+            <a:pPr lvl="2"/>
+            <a:r>
+              <a:rPr lang="en-US" altLang="zh-CN" sz="1400" b="1" dirty="0">
+                <a:solidFill>
+                  <a:schemeClr val="accent3">
+                    <a:lumMod val="75000"/>
+                  </a:schemeClr>
+                </a:solidFill>
+                <a:latin typeface="FangSong" charset="-122"/>
+                <a:ea typeface="FangSong" charset="-122"/>
+                <a:cs typeface="FangSong" charset="-122"/>
+              </a:rPr>
+              <a:t>loaders:</a:t>
+            </a:r>
+            <a:r>
+              <a:rPr lang="zh-CN" altLang="en-US" sz="1400" b="1" dirty="0">
+                <a:solidFill>
+                  <a:schemeClr val="accent3">
+                    <a:lumMod val="75000"/>
+                  </a:schemeClr>
+                </a:solidFill>
+                <a:latin typeface="FangSong" charset="-122"/>
+                <a:ea typeface="FangSong" charset="-122"/>
+                <a:cs typeface="FangSong" charset="-122"/>
+              </a:rPr>
+              <a:t> </a:t>
+            </a:r>
+            <a:r>
+              <a:rPr lang="en-US" altLang="zh-CN" sz="1400" b="1" dirty="0">
+                <a:solidFill>
+                  <a:schemeClr val="accent3">
+                    <a:lumMod val="75000"/>
+                  </a:schemeClr>
+                </a:solidFill>
+                <a:latin typeface="FangSong" charset="-122"/>
+                <a:ea typeface="FangSong" charset="-122"/>
+                <a:cs typeface="FangSong" charset="-122"/>
+              </a:rPr>
+              <a:t>["style", "</a:t>
+            </a:r>
+            <a:r>
+              <a:rPr lang="en-US" altLang="zh-CN" sz="1400" b="1" dirty="0" err="1">
+                <a:solidFill>
+                  <a:schemeClr val="accent3">
+                    <a:lumMod val="75000"/>
+                  </a:schemeClr>
+                </a:solidFill>
+                <a:latin typeface="FangSong" charset="-122"/>
+                <a:ea typeface="FangSong" charset="-122"/>
+                <a:cs typeface="FangSong" charset="-122"/>
+              </a:rPr>
+              <a:t>css</a:t>
+            </a:r>
+            <a:r>
+              <a:rPr lang="en-US" altLang="zh-CN" sz="1400" b="1" dirty="0">
+                <a:solidFill>
+                  <a:schemeClr val="accent3">
+                    <a:lumMod val="75000"/>
+                  </a:schemeClr>
+                </a:solidFill>
+                <a:latin typeface="FangSong" charset="-122"/>
+                <a:ea typeface="FangSong" charset="-122"/>
+                <a:cs typeface="FangSong" charset="-122"/>
+              </a:rPr>
+              <a:t>", "sass"]</a:t>
+            </a:r>
+          </a:p>
+          <a:p>
+            <a:pPr lvl="1"/>
+            <a:r>
+              <a:rPr lang="en-US" altLang="zh-CN" sz="1400" b="1" dirty="0" smtClean="0">
+                <a:solidFill>
+                  <a:schemeClr val="accent3">
+                    <a:lumMod val="75000"/>
+                  </a:schemeClr>
+                </a:solidFill>
+                <a:latin typeface="FangSong" charset="-122"/>
+                <a:ea typeface="FangSong" charset="-122"/>
+                <a:cs typeface="FangSong" charset="-122"/>
+              </a:rPr>
+              <a:t>},</a:t>
+            </a:r>
+            <a:r>
+              <a:rPr lang="en-US" altLang="zh-CN" sz="1000" dirty="0">
                 <a:solidFill>
                   <a:schemeClr val="accent3">
                     <a:lumMod val="50000"/>
@@ -12569,9 +13971,9 @@
                 <a:cs typeface="微软雅黑" panose="020B0503020204020204" pitchFamily="34" charset="-122"/>
                 <a:sym typeface="+mn-ea"/>
               </a:rPr>
-              <a:t>const vueLoaderConfig = require('./vue-loader.conf')</a:t>
-            </a:r>
-            <a:endParaRPr lang="zh-CN" altLang="zh-CN" sz="1000" dirty="0">
+              <a:t>	</a:t>
+            </a:r>
+            <a:endParaRPr lang="en-US" altLang="zh-CN" sz="1000" dirty="0" smtClean="0">
               <a:solidFill>
                 <a:schemeClr val="accent3">
                   <a:lumMod val="50000"/>
@@ -12580,196 +13982,11 @@
               <a:latin typeface="微软雅黑" panose="020B0503020204020204" pitchFamily="34" charset="-122"/>
               <a:ea typeface="微软雅黑" panose="020B0503020204020204" pitchFamily="34" charset="-122"/>
               <a:cs typeface="微软雅黑" panose="020B0503020204020204" pitchFamily="34" charset="-122"/>
+              <a:sym typeface="+mn-ea"/>
             </a:endParaRPr>
           </a:p>
           <a:p>
-            <a:pPr lvl="1" eaLnBrk="1" latinLnBrk="0" hangingPunct="1">
-              <a:lnSpc>
-                <a:spcPct val="80000"/>
-              </a:lnSpc>
-              <a:spcBef>
-                <a:spcPts val="0"/>
-              </a:spcBef>
-              <a:spcAft>
-                <a:spcPts val="0"/>
-              </a:spcAft>
-            </a:pPr>
-            <a:r>
-              <a:rPr lang="zh-CN" altLang="zh-CN" sz="1000" dirty="0">
-                <a:solidFill>
-                  <a:schemeClr val="accent3">
-                    <a:lumMod val="50000"/>
-                  </a:schemeClr>
-                </a:solidFill>
-                <a:latin typeface="微软雅黑" panose="020B0503020204020204" pitchFamily="34" charset="-122"/>
-                <a:ea typeface="微软雅黑" panose="020B0503020204020204" pitchFamily="34" charset="-122"/>
-                <a:cs typeface="微软雅黑" panose="020B0503020204020204" pitchFamily="34" charset="-122"/>
-                <a:sym typeface="+mn-ea"/>
-              </a:rPr>
-              <a:t>{</a:t>
-            </a:r>
-            <a:endParaRPr lang="zh-CN" altLang="zh-CN" sz="1000" dirty="0">
-              <a:solidFill>
-                <a:schemeClr val="accent3">
-                  <a:lumMod val="50000"/>
-                </a:schemeClr>
-              </a:solidFill>
-              <a:latin typeface="微软雅黑" panose="020B0503020204020204" pitchFamily="34" charset="-122"/>
-              <a:ea typeface="微软雅黑" panose="020B0503020204020204" pitchFamily="34" charset="-122"/>
-              <a:cs typeface="微软雅黑" panose="020B0503020204020204" pitchFamily="34" charset="-122"/>
-            </a:endParaRPr>
-          </a:p>
-          <a:p>
-            <a:pPr lvl="1" eaLnBrk="1" latinLnBrk="0" hangingPunct="1">
-              <a:lnSpc>
-                <a:spcPct val="80000"/>
-              </a:lnSpc>
-              <a:spcBef>
-                <a:spcPts val="600"/>
-              </a:spcBef>
-              <a:spcAft>
-                <a:spcPts val="600"/>
-              </a:spcAft>
-            </a:pPr>
-            <a:r>
-              <a:rPr lang="zh-CN" altLang="zh-CN" sz="1000" dirty="0">
-                <a:solidFill>
-                  <a:schemeClr val="accent3">
-                    <a:lumMod val="50000"/>
-                  </a:schemeClr>
-                </a:solidFill>
-                <a:latin typeface="微软雅黑" panose="020B0503020204020204" pitchFamily="34" charset="-122"/>
-                <a:ea typeface="微软雅黑" panose="020B0503020204020204" pitchFamily="34" charset="-122"/>
-                <a:cs typeface="微软雅黑" panose="020B0503020204020204" pitchFamily="34" charset="-122"/>
-                <a:sym typeface="+mn-ea"/>
-              </a:rPr>
-              <a:t>        test: /\.vue$/,</a:t>
-            </a:r>
-            <a:endParaRPr lang="zh-CN" altLang="zh-CN" sz="1000" dirty="0">
-              <a:solidFill>
-                <a:schemeClr val="accent3">
-                  <a:lumMod val="50000"/>
-                </a:schemeClr>
-              </a:solidFill>
-              <a:latin typeface="微软雅黑" panose="020B0503020204020204" pitchFamily="34" charset="-122"/>
-              <a:ea typeface="微软雅黑" panose="020B0503020204020204" pitchFamily="34" charset="-122"/>
-              <a:cs typeface="微软雅黑" panose="020B0503020204020204" pitchFamily="34" charset="-122"/>
-            </a:endParaRPr>
-          </a:p>
-          <a:p>
-            <a:pPr lvl="1" eaLnBrk="1" latinLnBrk="0" hangingPunct="1">
-              <a:lnSpc>
-                <a:spcPct val="80000"/>
-              </a:lnSpc>
-              <a:spcBef>
-                <a:spcPts val="600"/>
-              </a:spcBef>
-              <a:spcAft>
-                <a:spcPts val="600"/>
-              </a:spcAft>
-            </a:pPr>
-            <a:r>
-              <a:rPr lang="zh-CN" altLang="zh-CN" sz="1000" dirty="0">
-                <a:solidFill>
-                  <a:schemeClr val="accent3">
-                    <a:lumMod val="50000"/>
-                  </a:schemeClr>
-                </a:solidFill>
-                <a:latin typeface="微软雅黑" panose="020B0503020204020204" pitchFamily="34" charset="-122"/>
-                <a:ea typeface="微软雅黑" panose="020B0503020204020204" pitchFamily="34" charset="-122"/>
-                <a:cs typeface="微软雅黑" panose="020B0503020204020204" pitchFamily="34" charset="-122"/>
-                <a:sym typeface="+mn-ea"/>
-              </a:rPr>
-              <a:t>        loader: 'vue-loader',</a:t>
-            </a:r>
-            <a:endParaRPr lang="zh-CN" altLang="zh-CN" sz="1000" dirty="0">
-              <a:solidFill>
-                <a:schemeClr val="accent3">
-                  <a:lumMod val="50000"/>
-                </a:schemeClr>
-              </a:solidFill>
-              <a:latin typeface="微软雅黑" panose="020B0503020204020204" pitchFamily="34" charset="-122"/>
-              <a:ea typeface="微软雅黑" panose="020B0503020204020204" pitchFamily="34" charset="-122"/>
-              <a:cs typeface="微软雅黑" panose="020B0503020204020204" pitchFamily="34" charset="-122"/>
-            </a:endParaRPr>
-          </a:p>
-          <a:p>
-            <a:pPr lvl="1" eaLnBrk="1" latinLnBrk="0" hangingPunct="1">
-              <a:lnSpc>
-                <a:spcPct val="80000"/>
-              </a:lnSpc>
-              <a:spcBef>
-                <a:spcPts val="600"/>
-              </a:spcBef>
-              <a:spcAft>
-                <a:spcPts val="600"/>
-              </a:spcAft>
-            </a:pPr>
-            <a:r>
-              <a:rPr lang="zh-CN" altLang="zh-CN" sz="1000" dirty="0">
-                <a:solidFill>
-                  <a:schemeClr val="accent3">
-                    <a:lumMod val="50000"/>
-                  </a:schemeClr>
-                </a:solidFill>
-                <a:latin typeface="微软雅黑" panose="020B0503020204020204" pitchFamily="34" charset="-122"/>
-                <a:ea typeface="微软雅黑" panose="020B0503020204020204" pitchFamily="34" charset="-122"/>
-                <a:cs typeface="微软雅黑" panose="020B0503020204020204" pitchFamily="34" charset="-122"/>
-                <a:sym typeface="+mn-ea"/>
-              </a:rPr>
-              <a:t>        options: vueLoaderConfig</a:t>
-            </a:r>
-            <a:endParaRPr lang="zh-CN" altLang="zh-CN" sz="1000" dirty="0">
-              <a:solidFill>
-                <a:schemeClr val="accent3">
-                  <a:lumMod val="50000"/>
-                </a:schemeClr>
-              </a:solidFill>
-              <a:latin typeface="微软雅黑" panose="020B0503020204020204" pitchFamily="34" charset="-122"/>
-              <a:ea typeface="微软雅黑" panose="020B0503020204020204" pitchFamily="34" charset="-122"/>
-              <a:cs typeface="微软雅黑" panose="020B0503020204020204" pitchFamily="34" charset="-122"/>
-            </a:endParaRPr>
-          </a:p>
-          <a:p>
-            <a:pPr lvl="1" eaLnBrk="1" latinLnBrk="0" hangingPunct="1">
-              <a:lnSpc>
-                <a:spcPct val="80000"/>
-              </a:lnSpc>
-              <a:spcBef>
-                <a:spcPts val="600"/>
-              </a:spcBef>
-              <a:spcAft>
-                <a:spcPts val="600"/>
-              </a:spcAft>
-            </a:pPr>
-            <a:r>
-              <a:rPr lang="zh-CN" altLang="zh-CN" sz="1000" dirty="0">
-                <a:solidFill>
-                  <a:schemeClr val="accent3">
-                    <a:lumMod val="50000"/>
-                  </a:schemeClr>
-                </a:solidFill>
-                <a:latin typeface="微软雅黑" panose="020B0503020204020204" pitchFamily="34" charset="-122"/>
-                <a:ea typeface="微软雅黑" panose="020B0503020204020204" pitchFamily="34" charset="-122"/>
-                <a:cs typeface="微软雅黑" panose="020B0503020204020204" pitchFamily="34" charset="-122"/>
-                <a:sym typeface="+mn-ea"/>
-              </a:rPr>
-              <a:t>},</a:t>
-            </a:r>
-            <a:r>
-              <a:rPr lang="en-US" altLang="zh-CN" sz="1000" dirty="0">
-                <a:solidFill>
-                  <a:schemeClr val="accent3">
-                    <a:lumMod val="50000"/>
-                  </a:schemeClr>
-                </a:solidFill>
-                <a:latin typeface="微软雅黑" panose="020B0503020204020204" pitchFamily="34" charset="-122"/>
-                <a:ea typeface="微软雅黑" panose="020B0503020204020204" pitchFamily="34" charset="-122"/>
-                <a:cs typeface="微软雅黑" panose="020B0503020204020204" pitchFamily="34" charset="-122"/>
-                <a:sym typeface="+mn-ea"/>
-              </a:rPr>
-              <a:t>	</a:t>
-            </a:r>
+            <a:pPr lvl="1"/>
             <a:endParaRPr lang="en-US" altLang="zh-CN" sz="1000" dirty="0">
               <a:solidFill>
                 <a:schemeClr val="accent3">
@@ -12795,7 +14012,7 @@
               </a:spcAft>
             </a:pPr>
             <a:r>
-              <a:rPr lang="en-US" altLang="zh-CN" sz="1000" dirty="0">
+              <a:rPr lang="en-US" altLang="zh-CN" sz="1200" dirty="0">
                 <a:solidFill>
                   <a:schemeClr val="accent3">
                     <a:lumMod val="50000"/>
@@ -12809,7 +14026,7 @@
               <a:t>(3)</a:t>
             </a:r>
             <a:r>
-              <a:rPr altLang="zh-CN" sz="1000" dirty="0">
+              <a:rPr altLang="zh-CN" sz="1200" dirty="0">
                 <a:solidFill>
                   <a:schemeClr val="accent3">
                     <a:lumMod val="50000"/>
@@ -12822,17 +14039,6 @@
               </a:rPr>
               <a:t>在需要用到sass的地方添加lang=scss</a:t>
             </a:r>
-            <a:endParaRPr altLang="zh-CN" sz="1000" dirty="0">
-              <a:solidFill>
-                <a:schemeClr val="accent3">
-                  <a:lumMod val="50000"/>
-                </a:schemeClr>
-              </a:solidFill>
-              <a:latin typeface="微软雅黑" panose="020B0503020204020204" pitchFamily="34" charset="-122"/>
-              <a:ea typeface="微软雅黑" panose="020B0503020204020204" pitchFamily="34" charset="-122"/>
-              <a:cs typeface="微软雅黑" panose="020B0503020204020204" pitchFamily="34" charset="-122"/>
-              <a:sym typeface="+mn-ea"/>
-            </a:endParaRPr>
           </a:p>
           <a:p>
             <a:pPr eaLnBrk="1" latinLnBrk="0" hangingPunct="1">
@@ -12847,7 +14053,7 @@
               </a:spcAft>
             </a:pPr>
             <a:r>
-              <a:rPr lang="en-US" altLang="zh-CN" sz="1000" dirty="0">
+              <a:rPr lang="en-US" altLang="zh-CN" sz="1200" dirty="0">
                 <a:solidFill>
                   <a:schemeClr val="accent3">
                     <a:lumMod val="50000"/>
@@ -12858,19 +14064,36 @@
                 <a:cs typeface="微软雅黑" panose="020B0503020204020204" pitchFamily="34" charset="-122"/>
                 <a:sym typeface="+mn-ea"/>
               </a:rPr>
-              <a:t>           &lt;style lang="scss" scoped type="text/css"&gt;&lt;/style&gt;</a:t>
-            </a:r>
-            <a:endParaRPr lang="en-US" altLang="zh-CN" sz="1000" dirty="0">
-              <a:solidFill>
-                <a:schemeClr val="accent3">
-                  <a:lumMod val="50000"/>
-                </a:schemeClr>
-              </a:solidFill>
-              <a:latin typeface="微软雅黑" panose="020B0503020204020204" pitchFamily="34" charset="-122"/>
-              <a:ea typeface="微软雅黑" panose="020B0503020204020204" pitchFamily="34" charset="-122"/>
-              <a:cs typeface="微软雅黑" panose="020B0503020204020204" pitchFamily="34" charset="-122"/>
-              <a:sym typeface="+mn-ea"/>
-            </a:endParaRPr>
+              <a:t>   </a:t>
+            </a:r>
+            <a:r>
+              <a:rPr lang="en-US" altLang="zh-CN" sz="1200" dirty="0" smtClean="0">
+                <a:solidFill>
+                  <a:schemeClr val="accent3">
+                    <a:lumMod val="50000"/>
+                  </a:schemeClr>
+                </a:solidFill>
+                <a:latin typeface="微软雅黑" panose="020B0503020204020204" pitchFamily="34" charset="-122"/>
+                <a:ea typeface="微软雅黑" panose="020B0503020204020204" pitchFamily="34" charset="-122"/>
+                <a:cs typeface="微软雅黑" panose="020B0503020204020204" pitchFamily="34" charset="-122"/>
+                <a:sym typeface="+mn-ea"/>
+              </a:rPr>
+              <a:t>&lt;</a:t>
+            </a:r>
+            <a:r>
+              <a:rPr lang="en-US" altLang="zh-CN" sz="1200" dirty="0">
+                <a:solidFill>
+                  <a:schemeClr val="accent3">
+                    <a:lumMod val="50000"/>
+                  </a:schemeClr>
+                </a:solidFill>
+                <a:latin typeface="微软雅黑" panose="020B0503020204020204" pitchFamily="34" charset="-122"/>
+                <a:ea typeface="微软雅黑" panose="020B0503020204020204" pitchFamily="34" charset="-122"/>
+                <a:cs typeface="微软雅黑" panose="020B0503020204020204" pitchFamily="34" charset="-122"/>
+                <a:sym typeface="+mn-ea"/>
+              </a:rPr>
+              <a:t>style lang="scss" scoped type="text/css"&gt;&lt;/style&gt;</a:t>
+            </a:r>
           </a:p>
         </p:txBody>
       </p:sp>
@@ -12883,7 +14106,7 @@
           <p:nvPr/>
         </p:nvPicPr>
         <p:blipFill>
-          <a:blip r:embed="rId1"/>
+          <a:blip r:embed="rId2"/>
           <a:stretch>
             <a:fillRect/>
           </a:stretch>
@@ -12923,7 +14146,14 @@
         <p:cNvGrpSpPr/>
         <p:nvPr/>
       </p:nvGrpSpPr>
-      <p:grpSpPr/>
+      <p:grpSpPr>
+        <a:xfrm>
+          <a:off x="0" y="0"/>
+          <a:ext cx="0" cy="0"/>
+          <a:chOff x="0" y="0"/>
+          <a:chExt cx="0" cy="0"/>
+        </a:xfrm>
+      </p:grpSpPr>
       <p:sp>
         <p:nvSpPr>
           <p:cNvPr id="4" name="标题 1"/>
@@ -13127,7 +14357,6 @@
               <a:rPr lang="zh-CN" altLang="en-US"/>
               <a:t>的区别</a:t>
             </a:r>
-            <a:endParaRPr lang="zh-CN" altLang="en-US"/>
           </a:p>
         </p:txBody>
       </p:sp>
@@ -13140,7 +14369,7 @@
           <p:nvPr/>
         </p:nvPicPr>
         <p:blipFill>
-          <a:blip r:embed="rId1"/>
+          <a:blip r:embed="rId2"/>
           <a:stretch>
             <a:fillRect/>
           </a:stretch>
@@ -13164,7 +14393,7 @@
         <p:spPr>
           <a:xfrm>
             <a:off x="2942590" y="1604645"/>
-            <a:ext cx="3086100" cy="1753235"/>
+            <a:ext cx="3086100" cy="2031325"/>
           </a:xfrm>
           <a:prstGeom prst="rect">
             <a:avLst/>
@@ -13175,10 +14404,11 @@
           <a:bodyPr wrap="square" rtlCol="0">
             <a:spAutoFit/>
           </a:bodyPr>
+          <a:lstStyle/>
           <a:p>
             <a:pPr algn="l"/>
             <a:r>
-              <a:rPr lang="zh-CN" altLang="en-US">
+              <a:rPr lang="zh-CN" altLang="en-US" dirty="0">
                 <a:ln/>
                 <a:solidFill>
                   <a:schemeClr val="accent1"/>
@@ -13198,7 +14428,7 @@
               <a:t>SCSS </a:t>
             </a:r>
             <a:r>
-              <a:rPr lang="zh-CN" altLang="en-US">
+              <a:rPr lang="zh-CN" altLang="en-US" dirty="0">
                 <a:ln/>
                 <a:solidFill>
                   <a:schemeClr val="accent1"/>
@@ -13216,7 +14446,10 @@
               </a:rPr>
               <a:t>需要使用分号和花括号</a:t>
             </a:r>
-            <a:endParaRPr lang="zh-CN" altLang="en-US">
+          </a:p>
+          <a:p>
+            <a:pPr algn="l"/>
+            <a:endParaRPr lang="zh-CN" altLang="en-US" dirty="0">
               <a:ln/>
               <a:solidFill>
                 <a:schemeClr val="accent1"/>
@@ -13235,7 +14468,7 @@
           </a:p>
           <a:p>
             <a:pPr algn="l"/>
-            <a:endParaRPr lang="zh-CN" altLang="en-US">
+            <a:endParaRPr lang="zh-CN" altLang="en-US" dirty="0">
               <a:ln/>
               <a:solidFill>
                 <a:schemeClr val="accent1"/>
@@ -13254,7 +14487,7 @@
           </a:p>
           <a:p>
             <a:pPr algn="l"/>
-            <a:endParaRPr lang="zh-CN" altLang="en-US">
+            <a:endParaRPr lang="zh-CN" altLang="en-US" dirty="0">
               <a:ln/>
               <a:solidFill>
                 <a:schemeClr val="accent1"/>
@@ -13273,7 +14506,7 @@
           </a:p>
           <a:p>
             <a:pPr algn="l"/>
-            <a:endParaRPr lang="zh-CN" altLang="en-US">
+            <a:endParaRPr lang="zh-CN" altLang="en-US" dirty="0">
               <a:ln/>
               <a:solidFill>
                 <a:schemeClr val="accent1"/>
@@ -13292,104 +14525,7 @@
           </a:p>
           <a:p>
             <a:pPr algn="l"/>
-            <a:endParaRPr lang="zh-CN" altLang="en-US">
-              <a:ln/>
-              <a:solidFill>
-                <a:schemeClr val="accent1"/>
-              </a:solidFill>
-              <a:effectLst>
-                <a:outerShdw blurRad="38100" dist="25400" dir="5400000" algn="ctr" rotWithShape="0">
-                  <a:srgbClr val="6E747A">
-                    <a:alpha val="43000"/>
-                  </a:srgbClr>
-                </a:outerShdw>
-              </a:effectLst>
-              <a:latin typeface="微软雅黑" panose="020B0503020204020204" pitchFamily="34" charset="-122"/>
-              <a:ea typeface="微软雅黑" panose="020B0503020204020204" pitchFamily="34" charset="-122"/>
-              <a:cs typeface="微软雅黑" panose="020B0503020204020204" pitchFamily="34" charset="-122"/>
-            </a:endParaRPr>
-          </a:p>
-          <a:p>
-            <a:pPr algn="l"/>
-            <a:r>
-              <a:rPr lang="zh-CN" altLang="en-US">
-                <a:solidFill>
-                  <a:schemeClr val="accent1"/>
-                </a:solidFill>
-                <a:effectLst>
-                  <a:outerShdw blurRad="38100" dist="25400" dir="5400000" algn="ctr" rotWithShape="0">
-                    <a:srgbClr val="6E747A">
-                      <a:alpha val="43000"/>
-                    </a:srgbClr>
-                  </a:outerShdw>
-                </a:effectLst>
-                <a:latin typeface="微软雅黑" panose="020B0503020204020204" pitchFamily="34" charset="-122"/>
-                <a:ea typeface="微软雅黑" panose="020B0503020204020204" pitchFamily="34" charset="-122"/>
-                <a:cs typeface="微软雅黑" panose="020B0503020204020204" pitchFamily="34" charset="-122"/>
-                <a:sym typeface="+mn-ea"/>
-              </a:rPr>
-              <a:t>S</a:t>
-            </a:r>
-            <a:r>
-              <a:rPr lang="en-US" altLang="zh-CN">
-                <a:solidFill>
-                  <a:schemeClr val="accent1"/>
-                </a:solidFill>
-                <a:effectLst>
-                  <a:outerShdw blurRad="38100" dist="25400" dir="5400000" algn="ctr" rotWithShape="0">
-                    <a:srgbClr val="6E747A">
-                      <a:alpha val="43000"/>
-                    </a:srgbClr>
-                  </a:outerShdw>
-                </a:effectLst>
-                <a:latin typeface="微软雅黑" panose="020B0503020204020204" pitchFamily="34" charset="-122"/>
-                <a:ea typeface="微软雅黑" panose="020B0503020204020204" pitchFamily="34" charset="-122"/>
-                <a:cs typeface="微软雅黑" panose="020B0503020204020204" pitchFamily="34" charset="-122"/>
-                <a:sym typeface="+mn-ea"/>
-              </a:rPr>
-              <a:t>A</a:t>
-            </a:r>
-            <a:r>
-              <a:rPr lang="zh-CN" altLang="en-US">
-                <a:solidFill>
-                  <a:schemeClr val="accent1"/>
-                </a:solidFill>
-                <a:effectLst>
-                  <a:outerShdw blurRad="38100" dist="25400" dir="5400000" algn="ctr" rotWithShape="0">
-                    <a:srgbClr val="6E747A">
-                      <a:alpha val="43000"/>
-                    </a:srgbClr>
-                  </a:outerShdw>
-                </a:effectLst>
-                <a:latin typeface="微软雅黑" panose="020B0503020204020204" pitchFamily="34" charset="-122"/>
-                <a:ea typeface="微软雅黑" panose="020B0503020204020204" pitchFamily="34" charset="-122"/>
-                <a:cs typeface="微软雅黑" panose="020B0503020204020204" pitchFamily="34" charset="-122"/>
-                <a:sym typeface="+mn-ea"/>
-              </a:rPr>
-              <a:t>SS </a:t>
-            </a:r>
-            <a:r>
-              <a:rPr lang="zh-CN" altLang="en-US">
-                <a:ln/>
-                <a:solidFill>
-                  <a:schemeClr val="accent1"/>
-                </a:solidFill>
-                <a:effectLst>
-                  <a:outerShdw blurRad="38100" dist="25400" dir="5400000" algn="ctr" rotWithShape="0">
-                    <a:srgbClr val="6E747A">
-                      <a:alpha val="43000"/>
-                    </a:srgbClr>
-                  </a:outerShdw>
-                </a:effectLst>
-                <a:latin typeface="微软雅黑" panose="020B0503020204020204" pitchFamily="34" charset="-122"/>
-                <a:ea typeface="微软雅黑" panose="020B0503020204020204" pitchFamily="34" charset="-122"/>
-                <a:cs typeface="微软雅黑" panose="020B0503020204020204" pitchFamily="34" charset="-122"/>
-                <a:sym typeface="+mn-ea"/>
-              </a:rPr>
-              <a:t>需要使用换行和缩进</a:t>
-            </a:r>
-            <a:endParaRPr lang="zh-CN" altLang="en-US">
-              <a:ln/>
+            <a:endParaRPr lang="en-US" altLang="zh-CN" dirty="0" smtClean="0">
               <a:solidFill>
                 <a:schemeClr val="accent1"/>
               </a:solidFill>
@@ -13406,6 +14542,86 @@
               <a:sym typeface="+mn-ea"/>
             </a:endParaRPr>
           </a:p>
+          <a:p>
+            <a:pPr algn="l"/>
+            <a:r>
+              <a:rPr lang="zh-CN" altLang="en-US" dirty="0" smtClean="0">
+                <a:solidFill>
+                  <a:schemeClr val="accent1"/>
+                </a:solidFill>
+                <a:effectLst>
+                  <a:outerShdw blurRad="38100" dist="25400" dir="5400000" algn="ctr" rotWithShape="0">
+                    <a:srgbClr val="6E747A">
+                      <a:alpha val="43000"/>
+                    </a:srgbClr>
+                  </a:outerShdw>
+                </a:effectLst>
+                <a:latin typeface="微软雅黑" panose="020B0503020204020204" pitchFamily="34" charset="-122"/>
+                <a:ea typeface="微软雅黑" panose="020B0503020204020204" pitchFamily="34" charset="-122"/>
+                <a:cs typeface="微软雅黑" panose="020B0503020204020204" pitchFamily="34" charset="-122"/>
+                <a:sym typeface="+mn-ea"/>
+              </a:rPr>
+              <a:t>S</a:t>
+            </a:r>
+            <a:r>
+              <a:rPr lang="en-US" altLang="zh-CN" dirty="0" smtClean="0">
+                <a:solidFill>
+                  <a:schemeClr val="accent1"/>
+                </a:solidFill>
+                <a:effectLst>
+                  <a:outerShdw blurRad="38100" dist="25400" dir="5400000" algn="ctr" rotWithShape="0">
+                    <a:srgbClr val="6E747A">
+                      <a:alpha val="43000"/>
+                    </a:srgbClr>
+                  </a:outerShdw>
+                </a:effectLst>
+                <a:latin typeface="微软雅黑" panose="020B0503020204020204" pitchFamily="34" charset="-122"/>
+                <a:ea typeface="微软雅黑" panose="020B0503020204020204" pitchFamily="34" charset="-122"/>
+                <a:cs typeface="微软雅黑" panose="020B0503020204020204" pitchFamily="34" charset="-122"/>
+                <a:sym typeface="+mn-ea"/>
+              </a:rPr>
+              <a:t>A</a:t>
+            </a:r>
+            <a:r>
+              <a:rPr lang="zh-CN" altLang="en-US" dirty="0">
+                <a:solidFill>
+                  <a:schemeClr val="accent1"/>
+                </a:solidFill>
+                <a:effectLst>
+                  <a:outerShdw blurRad="38100" dist="25400" dir="5400000" algn="ctr" rotWithShape="0">
+                    <a:srgbClr val="6E747A">
+                      <a:alpha val="43000"/>
+                    </a:srgbClr>
+                  </a:outerShdw>
+                </a:effectLst>
+                <a:latin typeface="微软雅黑" panose="020B0503020204020204" pitchFamily="34" charset="-122"/>
+                <a:ea typeface="微软雅黑" panose="020B0503020204020204" pitchFamily="34" charset="-122"/>
+                <a:cs typeface="微软雅黑" panose="020B0503020204020204" pitchFamily="34" charset="-122"/>
+                <a:sym typeface="+mn-ea"/>
+              </a:rPr>
+              <a:t>SS </a:t>
+            </a:r>
+            <a:r>
+              <a:rPr lang="zh-CN" altLang="en-US" dirty="0">
+                <a:ln/>
+                <a:solidFill>
+                  <a:schemeClr val="accent1"/>
+                </a:solidFill>
+                <a:effectLst>
+                  <a:outerShdw blurRad="38100" dist="25400" dir="5400000" algn="ctr" rotWithShape="0">
+                    <a:srgbClr val="6E747A">
+                      <a:alpha val="43000"/>
+                    </a:srgbClr>
+                  </a:outerShdw>
+                </a:effectLst>
+                <a:latin typeface="微软雅黑" panose="020B0503020204020204" pitchFamily="34" charset="-122"/>
+                <a:ea typeface="微软雅黑" panose="020B0503020204020204" pitchFamily="34" charset="-122"/>
+                <a:cs typeface="微软雅黑" panose="020B0503020204020204" pitchFamily="34" charset="-122"/>
+                <a:sym typeface="+mn-ea"/>
+              </a:rPr>
+              <a:t>需要使用换行和缩进</a:t>
+            </a:r>
+          </a:p>
         </p:txBody>
       </p:sp>
     </p:spTree>
@@ -13414,6 +14630,13 @@
     <a:masterClrMapping/>
   </p:clrMapOvr>
   <p:transition/>
+  <p:timing>
+    <p:tnLst>
+      <p:par>
+        <p:cTn id="1" dur="indefinite" restart="never" nodeType="tmRoot"/>
+      </p:par>
+    </p:tnLst>
+  </p:timing>
 </p:sld>
 </file>
 
@@ -13649,6 +14872,7 @@
       </a:style>
     </a:spDef>
   </a:objectDefaults>
+  <a:extraClrSchemeLst/>
   <a:extLst>
     <a:ext uri="{05A4C25C-085E-4340-85A3-A5531E510DB2}">
       <thm15:themeFamily xmlns:thm15="http://schemas.microsoft.com/office/thememl/2012/main" name="Office Theme" id="{62F939B6-93AF-4DB8-9C6B-D6C7DFDC589F}" vid="{4A3C46E8-61CC-4603-A589-7422A47A8E4A}"/>
@@ -13908,6 +15132,8 @@
       </a:bgFillStyleLst>
     </a:fmtScheme>
   </a:themeElements>
+  <a:objectDefaults/>
+  <a:extraClrSchemeLst/>
   <a:extLst>
     <a:ext uri="{05A4C25C-085E-4340-85A3-A5531E510DB2}">
       <thm15:themeFamily xmlns:thm15="http://schemas.microsoft.com/office/thememl/2012/main" name="Office Theme" id="{62F939B6-93AF-4DB8-9C6B-D6C7DFDC589F}" vid="{4A3C46E8-61CC-4603-A589-7422A47A8E4A}"/>
@@ -14196,6 +15422,8 @@
       </a:bgFillStyleLst>
     </a:fmtScheme>
   </a:themeElements>
+  <a:objectDefaults/>
+  <a:extraClrSchemeLst/>
   <a:extLst>
     <a:ext uri="{05A4C25C-085E-4340-85A3-A5531E510DB2}">
       <thm15:themeFamily xmlns:thm15="http://schemas.microsoft.com/office/thememl/2012/main" name="Office Theme" id="{62F939B6-93AF-4DB8-9C6B-D6C7DFDC589F}" vid="{4A3C46E8-61CC-4603-A589-7422A47A8E4A}"/>
